--- a/db/week-1/CYF_DB_1.pptx
+++ b/db/week-1/CYF_DB_1.pptx
@@ -108,7 +108,16 @@
                 </a:solidFill>
                 <a:latin typeface="Arial"/>
               </a:rPr>
-              <a:t>Click to move the slide</a:t>
+              <a:t>Click to move </a:t>
+            </a:r>
+            <a:r>
+              <a:rPr b="0" lang="en-GB" sz="1400" spc="-1" strike="noStrike">
+                <a:solidFill>
+                  <a:srgbClr val="000000"/>
+                </a:solidFill>
+                <a:latin typeface="Arial"/>
+              </a:rPr>
+              <a:t>the slide</a:t>
             </a:r>
             <a:endParaRPr b="0" lang="en-GB" sz="1400" spc="-1" strike="noStrike">
               <a:solidFill>
@@ -147,7 +156,7 @@
               <a:rPr b="0" lang="en-GB" sz="2000" spc="-1" strike="noStrike">
                 <a:latin typeface="Arial"/>
               </a:rPr>
-              <a:t>Click to edit the notes format</a:t>
+              <a:t>Click to edit the notes' format</a:t>
             </a:r>
             <a:endParaRPr b="0" lang="en-GB" sz="2000" spc="-1" strike="noStrike">
               <a:latin typeface="Arial"/>
@@ -289,7 +298,7 @@
           </a:bodyPr>
           <a:p>
             <a:pPr algn="r"/>
-            <a:fld id="{12171E8A-F8E4-4230-B0DC-08C8B7567D75}" type="slidenum">
+            <a:fld id="{D223AA98-D1A7-4EE0-B12C-1B684D7A542E}" type="slidenum">
               <a:rPr b="0" lang="en-GB" sz="1400" spc="-1" strike="noStrike">
                 <a:latin typeface="Times New Roman"/>
               </a:rPr>
@@ -4875,84 +4884,299 @@
           </a:prstGeom>
         </p:spPr>
         <p:txBody>
-          <a:bodyPr tIns="91440" bIns="91440" anchor="b">
+          <a:bodyPr lIns="0" rIns="0" tIns="0" bIns="0" anchor="ctr">
             <a:noAutofit/>
           </a:bodyPr>
           <a:p>
-            <a:pPr algn="ctr"/>
-            <a:r>
-              <a:rPr b="0" lang="en-GB" sz="5200" spc="-1" strike="noStrike">
+            <a:r>
+              <a:rPr b="0" lang="en-GB" sz="1400" spc="-1" strike="noStrike">
                 <a:solidFill>
                   <a:srgbClr val="000000"/>
                 </a:solidFill>
                 <a:latin typeface="Arial"/>
               </a:rPr>
-              <a:t>Clic</a:t>
-            </a:r>
-            <a:r>
-              <a:rPr b="0" lang="en-GB" sz="5200" spc="-1" strike="noStrike">
+              <a:t>C</a:t>
+            </a:r>
+            <a:r>
+              <a:rPr b="0" lang="en-GB" sz="1400" spc="-1" strike="noStrike">
                 <a:solidFill>
                   <a:srgbClr val="000000"/>
                 </a:solidFill>
                 <a:latin typeface="Arial"/>
               </a:rPr>
-              <a:t>k to </a:t>
-            </a:r>
-            <a:r>
-              <a:rPr b="0" lang="en-GB" sz="5200" spc="-1" strike="noStrike">
+              <a:t>li</a:t>
+            </a:r>
+            <a:r>
+              <a:rPr b="0" lang="en-GB" sz="1400" spc="-1" strike="noStrike">
                 <a:solidFill>
                   <a:srgbClr val="000000"/>
                 </a:solidFill>
                 <a:latin typeface="Arial"/>
               </a:rPr>
-              <a:t>edit </a:t>
-            </a:r>
-            <a:r>
-              <a:rPr b="0" lang="en-GB" sz="5200" spc="-1" strike="noStrike">
+              <a:t>c</a:t>
+            </a:r>
+            <a:r>
+              <a:rPr b="0" lang="en-GB" sz="1400" spc="-1" strike="noStrike">
                 <a:solidFill>
                   <a:srgbClr val="000000"/>
                 </a:solidFill>
                 <a:latin typeface="Arial"/>
               </a:rPr>
-              <a:t>the </a:t>
-            </a:r>
-            <a:r>
-              <a:rPr b="0" lang="en-GB" sz="5200" spc="-1" strike="noStrike">
+              <a:t>k</a:t>
+            </a:r>
+            <a:r>
+              <a:rPr b="0" lang="en-GB" sz="1400" spc="-1" strike="noStrike">
                 <a:solidFill>
                   <a:srgbClr val="000000"/>
                 </a:solidFill>
                 <a:latin typeface="Arial"/>
               </a:rPr>
-              <a:t>title </a:t>
-            </a:r>
-            <a:r>
-              <a:rPr b="0" lang="en-GB" sz="5200" spc="-1" strike="noStrike">
+              <a:t> </a:t>
+            </a:r>
+            <a:r>
+              <a:rPr b="0" lang="en-GB" sz="1400" spc="-1" strike="noStrike">
                 <a:solidFill>
                   <a:srgbClr val="000000"/>
                 </a:solidFill>
                 <a:latin typeface="Arial"/>
               </a:rPr>
-              <a:t>text </a:t>
-            </a:r>
-            <a:r>
-              <a:rPr b="0" lang="en-GB" sz="5200" spc="-1" strike="noStrike">
+              <a:t>t</a:t>
+            </a:r>
+            <a:r>
+              <a:rPr b="0" lang="en-GB" sz="1400" spc="-1" strike="noStrike">
                 <a:solidFill>
                   <a:srgbClr val="000000"/>
                 </a:solidFill>
                 <a:latin typeface="Arial"/>
               </a:rPr>
-              <a:t>for</a:t>
-            </a:r>
-            <a:r>
-              <a:rPr b="0" lang="en-GB" sz="5200" spc="-1" strike="noStrike">
+              <a:t>o</a:t>
+            </a:r>
+            <a:r>
+              <a:rPr b="0" lang="en-GB" sz="1400" spc="-1" strike="noStrike">
                 <a:solidFill>
                   <a:srgbClr val="000000"/>
                 </a:solidFill>
                 <a:latin typeface="Arial"/>
               </a:rPr>
-              <a:t>mat</a:t>
-            </a:r>
-            <a:endParaRPr b="0" lang="en-GB" sz="5200" spc="-1" strike="noStrike">
+              <a:t> </a:t>
+            </a:r>
+            <a:r>
+              <a:rPr b="0" lang="en-GB" sz="1400" spc="-1" strike="noStrike">
+                <a:solidFill>
+                  <a:srgbClr val="000000"/>
+                </a:solidFill>
+                <a:latin typeface="Arial"/>
+              </a:rPr>
+              <a:t>e</a:t>
+            </a:r>
+            <a:r>
+              <a:rPr b="0" lang="en-GB" sz="1400" spc="-1" strike="noStrike">
+                <a:solidFill>
+                  <a:srgbClr val="000000"/>
+                </a:solidFill>
+                <a:latin typeface="Arial"/>
+              </a:rPr>
+              <a:t>d</a:t>
+            </a:r>
+            <a:r>
+              <a:rPr b="0" lang="en-GB" sz="1400" spc="-1" strike="noStrike">
+                <a:solidFill>
+                  <a:srgbClr val="000000"/>
+                </a:solidFill>
+                <a:latin typeface="Arial"/>
+              </a:rPr>
+              <a:t>i</a:t>
+            </a:r>
+            <a:r>
+              <a:rPr b="0" lang="en-GB" sz="1400" spc="-1" strike="noStrike">
+                <a:solidFill>
+                  <a:srgbClr val="000000"/>
+                </a:solidFill>
+                <a:latin typeface="Arial"/>
+              </a:rPr>
+              <a:t>t </a:t>
+            </a:r>
+            <a:r>
+              <a:rPr b="0" lang="en-GB" sz="1400" spc="-1" strike="noStrike">
+                <a:solidFill>
+                  <a:srgbClr val="000000"/>
+                </a:solidFill>
+                <a:latin typeface="Arial"/>
+              </a:rPr>
+              <a:t>t</a:t>
+            </a:r>
+            <a:r>
+              <a:rPr b="0" lang="en-GB" sz="1400" spc="-1" strike="noStrike">
+                <a:solidFill>
+                  <a:srgbClr val="000000"/>
+                </a:solidFill>
+                <a:latin typeface="Arial"/>
+              </a:rPr>
+              <a:t>h</a:t>
+            </a:r>
+            <a:r>
+              <a:rPr b="0" lang="en-GB" sz="1400" spc="-1" strike="noStrike">
+                <a:solidFill>
+                  <a:srgbClr val="000000"/>
+                </a:solidFill>
+                <a:latin typeface="Arial"/>
+              </a:rPr>
+              <a:t>e</a:t>
+            </a:r>
+            <a:r>
+              <a:rPr b="0" lang="en-GB" sz="1400" spc="-1" strike="noStrike">
+                <a:solidFill>
+                  <a:srgbClr val="000000"/>
+                </a:solidFill>
+                <a:latin typeface="Arial"/>
+              </a:rPr>
+              <a:t> </a:t>
+            </a:r>
+            <a:r>
+              <a:rPr b="0" lang="en-GB" sz="1400" spc="-1" strike="noStrike">
+                <a:solidFill>
+                  <a:srgbClr val="000000"/>
+                </a:solidFill>
+                <a:latin typeface="Arial"/>
+              </a:rPr>
+              <a:t>t</a:t>
+            </a:r>
+            <a:r>
+              <a:rPr b="0" lang="en-GB" sz="1400" spc="-1" strike="noStrike">
+                <a:solidFill>
+                  <a:srgbClr val="000000"/>
+                </a:solidFill>
+                <a:latin typeface="Arial"/>
+              </a:rPr>
+              <a:t>i</a:t>
+            </a:r>
+            <a:r>
+              <a:rPr b="0" lang="en-GB" sz="1400" spc="-1" strike="noStrike">
+                <a:solidFill>
+                  <a:srgbClr val="000000"/>
+                </a:solidFill>
+                <a:latin typeface="Arial"/>
+              </a:rPr>
+              <a:t>t</a:t>
+            </a:r>
+            <a:r>
+              <a:rPr b="0" lang="en-GB" sz="1400" spc="-1" strike="noStrike">
+                <a:solidFill>
+                  <a:srgbClr val="000000"/>
+                </a:solidFill>
+                <a:latin typeface="Arial"/>
+              </a:rPr>
+              <a:t>l</a:t>
+            </a:r>
+            <a:r>
+              <a:rPr b="0" lang="en-GB" sz="1400" spc="-1" strike="noStrike">
+                <a:solidFill>
+                  <a:srgbClr val="000000"/>
+                </a:solidFill>
+                <a:latin typeface="Arial"/>
+              </a:rPr>
+              <a:t>e</a:t>
+            </a:r>
+            <a:r>
+              <a:rPr b="0" lang="en-GB" sz="1400" spc="-1" strike="noStrike">
+                <a:solidFill>
+                  <a:srgbClr val="000000"/>
+                </a:solidFill>
+                <a:latin typeface="Arial"/>
+              </a:rPr>
+              <a:t> </a:t>
+            </a:r>
+            <a:r>
+              <a:rPr b="0" lang="en-GB" sz="1400" spc="-1" strike="noStrike">
+                <a:solidFill>
+                  <a:srgbClr val="000000"/>
+                </a:solidFill>
+                <a:latin typeface="Arial"/>
+              </a:rPr>
+              <a:t>t</a:t>
+            </a:r>
+            <a:r>
+              <a:rPr b="0" lang="en-GB" sz="1400" spc="-1" strike="noStrike">
+                <a:solidFill>
+                  <a:srgbClr val="000000"/>
+                </a:solidFill>
+                <a:latin typeface="Arial"/>
+              </a:rPr>
+              <a:t>e</a:t>
+            </a:r>
+            <a:r>
+              <a:rPr b="0" lang="en-GB" sz="1400" spc="-1" strike="noStrike">
+                <a:solidFill>
+                  <a:srgbClr val="000000"/>
+                </a:solidFill>
+                <a:latin typeface="Arial"/>
+              </a:rPr>
+              <a:t>x</a:t>
+            </a:r>
+            <a:r>
+              <a:rPr b="0" lang="en-GB" sz="1400" spc="-1" strike="noStrike">
+                <a:solidFill>
+                  <a:srgbClr val="000000"/>
+                </a:solidFill>
+                <a:latin typeface="Arial"/>
+              </a:rPr>
+              <a:t>t </a:t>
+            </a:r>
+            <a:r>
+              <a:rPr b="0" lang="en-GB" sz="1400" spc="-1" strike="noStrike">
+                <a:solidFill>
+                  <a:srgbClr val="000000"/>
+                </a:solidFill>
+                <a:latin typeface="Arial"/>
+              </a:rPr>
+              <a:t>f</a:t>
+            </a:r>
+            <a:r>
+              <a:rPr b="0" lang="en-GB" sz="1400" spc="-1" strike="noStrike">
+                <a:solidFill>
+                  <a:srgbClr val="000000"/>
+                </a:solidFill>
+                <a:latin typeface="Arial"/>
+              </a:rPr>
+              <a:t>o</a:t>
+            </a:r>
+            <a:r>
+              <a:rPr b="0" lang="en-GB" sz="1400" spc="-1" strike="noStrike">
+                <a:solidFill>
+                  <a:srgbClr val="000000"/>
+                </a:solidFill>
+                <a:latin typeface="Arial"/>
+              </a:rPr>
+              <a:t>r</a:t>
+            </a:r>
+            <a:r>
+              <a:rPr b="0" lang="en-GB" sz="1400" spc="-1" strike="noStrike">
+                <a:solidFill>
+                  <a:srgbClr val="000000"/>
+                </a:solidFill>
+                <a:latin typeface="Arial"/>
+              </a:rPr>
+              <a:t>m</a:t>
+            </a:r>
+            <a:r>
+              <a:rPr b="0" lang="en-GB" sz="1400" spc="-1" strike="noStrike">
+                <a:solidFill>
+                  <a:srgbClr val="000000"/>
+                </a:solidFill>
+                <a:latin typeface="Arial"/>
+              </a:rPr>
+              <a:t>a</a:t>
+            </a:r>
+            <a:r>
+              <a:rPr b="0" lang="en-GB" sz="1400" spc="-1" strike="noStrike">
+                <a:solidFill>
+                  <a:srgbClr val="000000"/>
+                </a:solidFill>
+                <a:latin typeface="Arial"/>
+              </a:rPr>
+              <a:t>t</a:t>
+            </a:r>
+            <a:endParaRPr b="0" lang="en-GB" sz="1400" spc="-1" strike="noStrike">
               <a:solidFill>
                 <a:srgbClr val="000000"/>
               </a:solidFill>
@@ -4993,7 +5217,7 @@
                 <a:tab algn="l" pos="0"/>
               </a:tabLst>
             </a:pPr>
-            <a:fld id="{5E975964-E884-458A-A2E6-82A175079383}" type="slidenum">
+            <a:fld id="{7C417881-2490-4657-9318-92F61333DCA1}" type="slidenum">
               <a:rPr b="0" lang="en-GB" sz="1000" spc="-1" strike="noStrike">
                 <a:solidFill>
                   <a:srgbClr val="595959"/>
@@ -5302,84 +5526,299 @@
           </a:prstGeom>
         </p:spPr>
         <p:txBody>
-          <a:bodyPr tIns="91440" bIns="91440">
+          <a:bodyPr lIns="0" rIns="0" tIns="0" bIns="0" anchor="ctr">
             <a:noAutofit/>
           </a:bodyPr>
           <a:p>
-            <a:pPr algn="ctr"/>
-            <a:r>
-              <a:rPr b="0" lang="en-GB" sz="3000" spc="-1" strike="noStrike">
+            <a:r>
+              <a:rPr b="0" lang="en-GB" sz="1400" spc="-1" strike="noStrike">
                 <a:solidFill>
                   <a:srgbClr val="000000"/>
                 </a:solidFill>
                 <a:latin typeface="Arial"/>
               </a:rPr>
-              <a:t>Click </a:t>
-            </a:r>
-            <a:r>
-              <a:rPr b="0" lang="en-GB" sz="3000" spc="-1" strike="noStrike">
+              <a:t>C</a:t>
+            </a:r>
+            <a:r>
+              <a:rPr b="0" lang="en-GB" sz="1400" spc="-1" strike="noStrike">
                 <a:solidFill>
                   <a:srgbClr val="000000"/>
                 </a:solidFill>
                 <a:latin typeface="Arial"/>
               </a:rPr>
-              <a:t>to </a:t>
-            </a:r>
-            <a:r>
-              <a:rPr b="0" lang="en-GB" sz="3000" spc="-1" strike="noStrike">
+              <a:t>li</a:t>
+            </a:r>
+            <a:r>
+              <a:rPr b="0" lang="en-GB" sz="1400" spc="-1" strike="noStrike">
                 <a:solidFill>
                   <a:srgbClr val="000000"/>
                 </a:solidFill>
                 <a:latin typeface="Arial"/>
               </a:rPr>
-              <a:t>edit </a:t>
-            </a:r>
-            <a:r>
-              <a:rPr b="0" lang="en-GB" sz="3000" spc="-1" strike="noStrike">
+              <a:t>c</a:t>
+            </a:r>
+            <a:r>
+              <a:rPr b="0" lang="en-GB" sz="1400" spc="-1" strike="noStrike">
                 <a:solidFill>
                   <a:srgbClr val="000000"/>
                 </a:solidFill>
                 <a:latin typeface="Arial"/>
               </a:rPr>
-              <a:t>the </a:t>
-            </a:r>
-            <a:r>
-              <a:rPr b="0" lang="en-GB" sz="3000" spc="-1" strike="noStrike">
+              <a:t>k</a:t>
+            </a:r>
+            <a:r>
+              <a:rPr b="0" lang="en-GB" sz="1400" spc="-1" strike="noStrike">
                 <a:solidFill>
                   <a:srgbClr val="000000"/>
                 </a:solidFill>
                 <a:latin typeface="Arial"/>
               </a:rPr>
-              <a:t>title </a:t>
-            </a:r>
-            <a:r>
-              <a:rPr b="0" lang="en-GB" sz="3000" spc="-1" strike="noStrike">
+              <a:t> </a:t>
+            </a:r>
+            <a:r>
+              <a:rPr b="0" lang="en-GB" sz="1400" spc="-1" strike="noStrike">
                 <a:solidFill>
                   <a:srgbClr val="000000"/>
                 </a:solidFill>
                 <a:latin typeface="Arial"/>
               </a:rPr>
-              <a:t>text </a:t>
-            </a:r>
-            <a:r>
-              <a:rPr b="0" lang="en-GB" sz="3000" spc="-1" strike="noStrike">
+              <a:t>t</a:t>
+            </a:r>
+            <a:r>
+              <a:rPr b="0" lang="en-GB" sz="1400" spc="-1" strike="noStrike">
                 <a:solidFill>
                   <a:srgbClr val="000000"/>
                 </a:solidFill>
                 <a:latin typeface="Arial"/>
               </a:rPr>
-              <a:t>form</a:t>
-            </a:r>
-            <a:r>
-              <a:rPr b="0" lang="en-GB" sz="3000" spc="-1" strike="noStrike">
+              <a:t>o</a:t>
+            </a:r>
+            <a:r>
+              <a:rPr b="0" lang="en-GB" sz="1400" spc="-1" strike="noStrike">
                 <a:solidFill>
                   <a:srgbClr val="000000"/>
                 </a:solidFill>
                 <a:latin typeface="Arial"/>
               </a:rPr>
-              <a:t>at</a:t>
-            </a:r>
-            <a:endParaRPr b="0" lang="en-GB" sz="3000" spc="-1" strike="noStrike">
+              <a:t> </a:t>
+            </a:r>
+            <a:r>
+              <a:rPr b="0" lang="en-GB" sz="1400" spc="-1" strike="noStrike">
+                <a:solidFill>
+                  <a:srgbClr val="000000"/>
+                </a:solidFill>
+                <a:latin typeface="Arial"/>
+              </a:rPr>
+              <a:t>e</a:t>
+            </a:r>
+            <a:r>
+              <a:rPr b="0" lang="en-GB" sz="1400" spc="-1" strike="noStrike">
+                <a:solidFill>
+                  <a:srgbClr val="000000"/>
+                </a:solidFill>
+                <a:latin typeface="Arial"/>
+              </a:rPr>
+              <a:t>d</a:t>
+            </a:r>
+            <a:r>
+              <a:rPr b="0" lang="en-GB" sz="1400" spc="-1" strike="noStrike">
+                <a:solidFill>
+                  <a:srgbClr val="000000"/>
+                </a:solidFill>
+                <a:latin typeface="Arial"/>
+              </a:rPr>
+              <a:t>i</a:t>
+            </a:r>
+            <a:r>
+              <a:rPr b="0" lang="en-GB" sz="1400" spc="-1" strike="noStrike">
+                <a:solidFill>
+                  <a:srgbClr val="000000"/>
+                </a:solidFill>
+                <a:latin typeface="Arial"/>
+              </a:rPr>
+              <a:t>t </a:t>
+            </a:r>
+            <a:r>
+              <a:rPr b="0" lang="en-GB" sz="1400" spc="-1" strike="noStrike">
+                <a:solidFill>
+                  <a:srgbClr val="000000"/>
+                </a:solidFill>
+                <a:latin typeface="Arial"/>
+              </a:rPr>
+              <a:t>t</a:t>
+            </a:r>
+            <a:r>
+              <a:rPr b="0" lang="en-GB" sz="1400" spc="-1" strike="noStrike">
+                <a:solidFill>
+                  <a:srgbClr val="000000"/>
+                </a:solidFill>
+                <a:latin typeface="Arial"/>
+              </a:rPr>
+              <a:t>h</a:t>
+            </a:r>
+            <a:r>
+              <a:rPr b="0" lang="en-GB" sz="1400" spc="-1" strike="noStrike">
+                <a:solidFill>
+                  <a:srgbClr val="000000"/>
+                </a:solidFill>
+                <a:latin typeface="Arial"/>
+              </a:rPr>
+              <a:t>e</a:t>
+            </a:r>
+            <a:r>
+              <a:rPr b="0" lang="en-GB" sz="1400" spc="-1" strike="noStrike">
+                <a:solidFill>
+                  <a:srgbClr val="000000"/>
+                </a:solidFill>
+                <a:latin typeface="Arial"/>
+              </a:rPr>
+              <a:t> </a:t>
+            </a:r>
+            <a:r>
+              <a:rPr b="0" lang="en-GB" sz="1400" spc="-1" strike="noStrike">
+                <a:solidFill>
+                  <a:srgbClr val="000000"/>
+                </a:solidFill>
+                <a:latin typeface="Arial"/>
+              </a:rPr>
+              <a:t>t</a:t>
+            </a:r>
+            <a:r>
+              <a:rPr b="0" lang="en-GB" sz="1400" spc="-1" strike="noStrike">
+                <a:solidFill>
+                  <a:srgbClr val="000000"/>
+                </a:solidFill>
+                <a:latin typeface="Arial"/>
+              </a:rPr>
+              <a:t>i</a:t>
+            </a:r>
+            <a:r>
+              <a:rPr b="0" lang="en-GB" sz="1400" spc="-1" strike="noStrike">
+                <a:solidFill>
+                  <a:srgbClr val="000000"/>
+                </a:solidFill>
+                <a:latin typeface="Arial"/>
+              </a:rPr>
+              <a:t>t</a:t>
+            </a:r>
+            <a:r>
+              <a:rPr b="0" lang="en-GB" sz="1400" spc="-1" strike="noStrike">
+                <a:solidFill>
+                  <a:srgbClr val="000000"/>
+                </a:solidFill>
+                <a:latin typeface="Arial"/>
+              </a:rPr>
+              <a:t>l</a:t>
+            </a:r>
+            <a:r>
+              <a:rPr b="0" lang="en-GB" sz="1400" spc="-1" strike="noStrike">
+                <a:solidFill>
+                  <a:srgbClr val="000000"/>
+                </a:solidFill>
+                <a:latin typeface="Arial"/>
+              </a:rPr>
+              <a:t>e</a:t>
+            </a:r>
+            <a:r>
+              <a:rPr b="0" lang="en-GB" sz="1400" spc="-1" strike="noStrike">
+                <a:solidFill>
+                  <a:srgbClr val="000000"/>
+                </a:solidFill>
+                <a:latin typeface="Arial"/>
+              </a:rPr>
+              <a:t> </a:t>
+            </a:r>
+            <a:r>
+              <a:rPr b="0" lang="en-GB" sz="1400" spc="-1" strike="noStrike">
+                <a:solidFill>
+                  <a:srgbClr val="000000"/>
+                </a:solidFill>
+                <a:latin typeface="Arial"/>
+              </a:rPr>
+              <a:t>t</a:t>
+            </a:r>
+            <a:r>
+              <a:rPr b="0" lang="en-GB" sz="1400" spc="-1" strike="noStrike">
+                <a:solidFill>
+                  <a:srgbClr val="000000"/>
+                </a:solidFill>
+                <a:latin typeface="Arial"/>
+              </a:rPr>
+              <a:t>e</a:t>
+            </a:r>
+            <a:r>
+              <a:rPr b="0" lang="en-GB" sz="1400" spc="-1" strike="noStrike">
+                <a:solidFill>
+                  <a:srgbClr val="000000"/>
+                </a:solidFill>
+                <a:latin typeface="Arial"/>
+              </a:rPr>
+              <a:t>x</a:t>
+            </a:r>
+            <a:r>
+              <a:rPr b="0" lang="en-GB" sz="1400" spc="-1" strike="noStrike">
+                <a:solidFill>
+                  <a:srgbClr val="000000"/>
+                </a:solidFill>
+                <a:latin typeface="Arial"/>
+              </a:rPr>
+              <a:t>t </a:t>
+            </a:r>
+            <a:r>
+              <a:rPr b="0" lang="en-GB" sz="1400" spc="-1" strike="noStrike">
+                <a:solidFill>
+                  <a:srgbClr val="000000"/>
+                </a:solidFill>
+                <a:latin typeface="Arial"/>
+              </a:rPr>
+              <a:t>f</a:t>
+            </a:r>
+            <a:r>
+              <a:rPr b="0" lang="en-GB" sz="1400" spc="-1" strike="noStrike">
+                <a:solidFill>
+                  <a:srgbClr val="000000"/>
+                </a:solidFill>
+                <a:latin typeface="Arial"/>
+              </a:rPr>
+              <a:t>o</a:t>
+            </a:r>
+            <a:r>
+              <a:rPr b="0" lang="en-GB" sz="1400" spc="-1" strike="noStrike">
+                <a:solidFill>
+                  <a:srgbClr val="000000"/>
+                </a:solidFill>
+                <a:latin typeface="Arial"/>
+              </a:rPr>
+              <a:t>r</a:t>
+            </a:r>
+            <a:r>
+              <a:rPr b="0" lang="en-GB" sz="1400" spc="-1" strike="noStrike">
+                <a:solidFill>
+                  <a:srgbClr val="000000"/>
+                </a:solidFill>
+                <a:latin typeface="Arial"/>
+              </a:rPr>
+              <a:t>m</a:t>
+            </a:r>
+            <a:r>
+              <a:rPr b="0" lang="en-GB" sz="1400" spc="-1" strike="noStrike">
+                <a:solidFill>
+                  <a:srgbClr val="000000"/>
+                </a:solidFill>
+                <a:latin typeface="Arial"/>
+              </a:rPr>
+              <a:t>a</a:t>
+            </a:r>
+            <a:r>
+              <a:rPr b="0" lang="en-GB" sz="1400" spc="-1" strike="noStrike">
+                <a:solidFill>
+                  <a:srgbClr val="000000"/>
+                </a:solidFill>
+                <a:latin typeface="Arial"/>
+              </a:rPr>
+              <a:t>t</a:t>
+            </a:r>
+            <a:endParaRPr b="0" lang="en-GB" sz="1400" spc="-1" strike="noStrike">
               <a:solidFill>
                 <a:srgbClr val="000000"/>
               </a:solidFill>
@@ -5408,11 +5847,11 @@
           </a:prstGeom>
         </p:spPr>
         <p:txBody>
-          <a:bodyPr tIns="91440" bIns="91440">
-            <a:noAutofit/>
+          <a:bodyPr lIns="0" rIns="0" tIns="0" bIns="0">
+            <a:normAutofit/>
           </a:bodyPr>
           <a:p>
-            <a:pPr marL="432000" indent="-324000" algn="ctr">
+            <a:pPr marL="432000" indent="-324000">
               <a:spcBef>
                 <a:spcPts val="1417"/>
               </a:spcBef>
@@ -5424,7 +5863,7 @@
               <a:buChar char=""/>
             </a:pPr>
             <a:r>
-              <a:rPr b="0" lang="en-GB" sz="2800" spc="-1" strike="noStrike">
+              <a:rPr b="0" lang="en-GB" sz="1400" spc="-1" strike="noStrike">
                 <a:solidFill>
                   <a:srgbClr val="000000"/>
                 </a:solidFill>
@@ -5432,15 +5871,15 @@
               </a:rPr>
               <a:t>Click to edit the outline text format</a:t>
             </a:r>
-            <a:endParaRPr b="0" lang="en-GB" sz="2800" spc="-1" strike="noStrike">
-              <a:solidFill>
-                <a:srgbClr val="000000"/>
-              </a:solidFill>
-              <a:latin typeface="Arial"/>
-            </a:endParaRPr>
-          </a:p>
-          <a:p>
-            <a:pPr lvl="1" marL="864000" indent="-324000" algn="ctr">
+            <a:endParaRPr b="0" lang="en-GB" sz="1400" spc="-1" strike="noStrike">
+              <a:solidFill>
+                <a:srgbClr val="000000"/>
+              </a:solidFill>
+              <a:latin typeface="Arial"/>
+            </a:endParaRPr>
+          </a:p>
+          <a:p>
+            <a:pPr lvl="1" marL="864000" indent="-324000">
               <a:spcBef>
                 <a:spcPts val="1134"/>
               </a:spcBef>
@@ -5452,7 +5891,7 @@
               <a:buChar char=""/>
             </a:pPr>
             <a:r>
-              <a:rPr b="0" lang="en-GB" sz="2800" spc="-1" strike="noStrike">
+              <a:rPr b="0" lang="en-GB" sz="1400" spc="-1" strike="noStrike">
                 <a:solidFill>
                   <a:srgbClr val="000000"/>
                 </a:solidFill>
@@ -5460,15 +5899,15 @@
               </a:rPr>
               <a:t>Second Outline Level</a:t>
             </a:r>
-            <a:endParaRPr b="0" lang="en-GB" sz="2800" spc="-1" strike="noStrike">
-              <a:solidFill>
-                <a:srgbClr val="000000"/>
-              </a:solidFill>
-              <a:latin typeface="Arial"/>
-            </a:endParaRPr>
-          </a:p>
-          <a:p>
-            <a:pPr lvl="2" marL="1296000" indent="-288000" algn="ctr">
+            <a:endParaRPr b="0" lang="en-GB" sz="1400" spc="-1" strike="noStrike">
+              <a:solidFill>
+                <a:srgbClr val="000000"/>
+              </a:solidFill>
+              <a:latin typeface="Arial"/>
+            </a:endParaRPr>
+          </a:p>
+          <a:p>
+            <a:pPr lvl="2" marL="1296000" indent="-288000">
               <a:spcBef>
                 <a:spcPts val="850"/>
               </a:spcBef>
@@ -5480,7 +5919,7 @@
               <a:buChar char=""/>
             </a:pPr>
             <a:r>
-              <a:rPr b="0" lang="en-GB" sz="2800" spc="-1" strike="noStrike">
+              <a:rPr b="0" lang="en-GB" sz="1400" spc="-1" strike="noStrike">
                 <a:solidFill>
                   <a:srgbClr val="000000"/>
                 </a:solidFill>
@@ -5488,15 +5927,15 @@
               </a:rPr>
               <a:t>Third Outline Level</a:t>
             </a:r>
-            <a:endParaRPr b="0" lang="en-GB" sz="2800" spc="-1" strike="noStrike">
-              <a:solidFill>
-                <a:srgbClr val="000000"/>
-              </a:solidFill>
-              <a:latin typeface="Arial"/>
-            </a:endParaRPr>
-          </a:p>
-          <a:p>
-            <a:pPr lvl="3" marL="1728000" indent="-216000" algn="ctr">
+            <a:endParaRPr b="0" lang="en-GB" sz="1400" spc="-1" strike="noStrike">
+              <a:solidFill>
+                <a:srgbClr val="000000"/>
+              </a:solidFill>
+              <a:latin typeface="Arial"/>
+            </a:endParaRPr>
+          </a:p>
+          <a:p>
+            <a:pPr lvl="3" marL="1728000" indent="-216000">
               <a:spcBef>
                 <a:spcPts val="567"/>
               </a:spcBef>
@@ -5508,7 +5947,7 @@
               <a:buChar char=""/>
             </a:pPr>
             <a:r>
-              <a:rPr b="0" lang="en-GB" sz="2800" spc="-1" strike="noStrike">
+              <a:rPr b="0" lang="en-GB" sz="1400" spc="-1" strike="noStrike">
                 <a:solidFill>
                   <a:srgbClr val="000000"/>
                 </a:solidFill>
@@ -5516,15 +5955,15 @@
               </a:rPr>
               <a:t>Fourth Outline Level</a:t>
             </a:r>
-            <a:endParaRPr b="0" lang="en-GB" sz="2800" spc="-1" strike="noStrike">
-              <a:solidFill>
-                <a:srgbClr val="000000"/>
-              </a:solidFill>
-              <a:latin typeface="Arial"/>
-            </a:endParaRPr>
-          </a:p>
-          <a:p>
-            <a:pPr lvl="4" marL="2160000" indent="-216000" algn="ctr">
+            <a:endParaRPr b="0" lang="en-GB" sz="1400" spc="-1" strike="noStrike">
+              <a:solidFill>
+                <a:srgbClr val="000000"/>
+              </a:solidFill>
+              <a:latin typeface="Arial"/>
+            </a:endParaRPr>
+          </a:p>
+          <a:p>
+            <a:pPr lvl="4" marL="2160000" indent="-216000">
               <a:spcBef>
                 <a:spcPts val="283"/>
               </a:spcBef>
@@ -5536,7 +5975,7 @@
               <a:buChar char=""/>
             </a:pPr>
             <a:r>
-              <a:rPr b="0" lang="en-GB" sz="2800" spc="-1" strike="noStrike">
+              <a:rPr b="0" lang="en-GB" sz="2000" spc="-1" strike="noStrike">
                 <a:solidFill>
                   <a:srgbClr val="000000"/>
                 </a:solidFill>
@@ -5544,15 +5983,15 @@
               </a:rPr>
               <a:t>Fifth Outline Level</a:t>
             </a:r>
-            <a:endParaRPr b="0" lang="en-GB" sz="2800" spc="-1" strike="noStrike">
-              <a:solidFill>
-                <a:srgbClr val="000000"/>
-              </a:solidFill>
-              <a:latin typeface="Arial"/>
-            </a:endParaRPr>
-          </a:p>
-          <a:p>
-            <a:pPr lvl="5" marL="2592000" indent="-216000" algn="ctr">
+            <a:endParaRPr b="0" lang="en-GB" sz="2000" spc="-1" strike="noStrike">
+              <a:solidFill>
+                <a:srgbClr val="000000"/>
+              </a:solidFill>
+              <a:latin typeface="Arial"/>
+            </a:endParaRPr>
+          </a:p>
+          <a:p>
+            <a:pPr lvl="5" marL="2592000" indent="-216000">
               <a:spcBef>
                 <a:spcPts val="283"/>
               </a:spcBef>
@@ -5564,7 +6003,7 @@
               <a:buChar char=""/>
             </a:pPr>
             <a:r>
-              <a:rPr b="0" lang="en-GB" sz="2800" spc="-1" strike="noStrike">
+              <a:rPr b="0" lang="en-GB" sz="2000" spc="-1" strike="noStrike">
                 <a:solidFill>
                   <a:srgbClr val="000000"/>
                 </a:solidFill>
@@ -5572,15 +6011,15 @@
               </a:rPr>
               <a:t>Sixth Outline Level</a:t>
             </a:r>
-            <a:endParaRPr b="0" lang="en-GB" sz="2800" spc="-1" strike="noStrike">
-              <a:solidFill>
-                <a:srgbClr val="000000"/>
-              </a:solidFill>
-              <a:latin typeface="Arial"/>
-            </a:endParaRPr>
-          </a:p>
-          <a:p>
-            <a:pPr lvl="6" marL="3024000" indent="-216000" algn="ctr">
+            <a:endParaRPr b="0" lang="en-GB" sz="2000" spc="-1" strike="noStrike">
+              <a:solidFill>
+                <a:srgbClr val="000000"/>
+              </a:solidFill>
+              <a:latin typeface="Arial"/>
+            </a:endParaRPr>
+          </a:p>
+          <a:p>
+            <a:pPr lvl="6" marL="3024000" indent="-216000">
               <a:spcBef>
                 <a:spcPts val="283"/>
               </a:spcBef>
@@ -5592,7 +6031,7 @@
               <a:buChar char=""/>
             </a:pPr>
             <a:r>
-              <a:rPr b="0" lang="en-GB" sz="2800" spc="-1" strike="noStrike">
+              <a:rPr b="0" lang="en-GB" sz="2000" spc="-1" strike="noStrike">
                 <a:solidFill>
                   <a:srgbClr val="000000"/>
                 </a:solidFill>
@@ -5600,7 +6039,7 @@
               </a:rPr>
               <a:t>Seventh Outline Level</a:t>
             </a:r>
-            <a:endParaRPr b="0" lang="en-GB" sz="2800" spc="-1" strike="noStrike">
+            <a:endParaRPr b="0" lang="en-GB" sz="2000" spc="-1" strike="noStrike">
               <a:solidFill>
                 <a:srgbClr val="000000"/>
               </a:solidFill>
@@ -5641,7 +6080,7 @@
                 <a:tab algn="l" pos="0"/>
               </a:tabLst>
             </a:pPr>
-            <a:fld id="{2CFDE7C2-08E8-468F-A1B9-3D5BA5383F3D}" type="slidenum">
+            <a:fld id="{9BD5DE89-8AB6-472F-A152-A71FB5EF30A2}" type="slidenum">
               <a:rPr b="0" lang="en-GB" sz="1000" spc="-1" strike="noStrike">
                 <a:solidFill>
                   <a:srgbClr val="595959"/>
@@ -5729,21 +6168,299 @@
           </a:prstGeom>
         </p:spPr>
         <p:txBody>
-          <a:bodyPr tIns="91440" bIns="91440" anchor="ctr">
+          <a:bodyPr lIns="0" rIns="0" tIns="0" bIns="0" anchor="ctr">
             <a:noAutofit/>
           </a:bodyPr>
           <a:p>
-            <a:pPr algn="ctr"/>
-            <a:r>
-              <a:rPr b="0" lang="en-GB" sz="3600" spc="-1" strike="noStrike">
+            <a:r>
+              <a:rPr b="0" lang="en-GB" sz="1400" spc="-1" strike="noStrike">
                 <a:solidFill>
                   <a:srgbClr val="000000"/>
                 </a:solidFill>
                 <a:latin typeface="Arial"/>
               </a:rPr>
-              <a:t>Click to edit the title text format</a:t>
-            </a:r>
-            <a:endParaRPr b="0" lang="en-GB" sz="3600" spc="-1" strike="noStrike">
+              <a:t>C</a:t>
+            </a:r>
+            <a:r>
+              <a:rPr b="0" lang="en-GB" sz="1400" spc="-1" strike="noStrike">
+                <a:solidFill>
+                  <a:srgbClr val="000000"/>
+                </a:solidFill>
+                <a:latin typeface="Arial"/>
+              </a:rPr>
+              <a:t>li</a:t>
+            </a:r>
+            <a:r>
+              <a:rPr b="0" lang="en-GB" sz="1400" spc="-1" strike="noStrike">
+                <a:solidFill>
+                  <a:srgbClr val="000000"/>
+                </a:solidFill>
+                <a:latin typeface="Arial"/>
+              </a:rPr>
+              <a:t>c</a:t>
+            </a:r>
+            <a:r>
+              <a:rPr b="0" lang="en-GB" sz="1400" spc="-1" strike="noStrike">
+                <a:solidFill>
+                  <a:srgbClr val="000000"/>
+                </a:solidFill>
+                <a:latin typeface="Arial"/>
+              </a:rPr>
+              <a:t>k</a:t>
+            </a:r>
+            <a:r>
+              <a:rPr b="0" lang="en-GB" sz="1400" spc="-1" strike="noStrike">
+                <a:solidFill>
+                  <a:srgbClr val="000000"/>
+                </a:solidFill>
+                <a:latin typeface="Arial"/>
+              </a:rPr>
+              <a:t> </a:t>
+            </a:r>
+            <a:r>
+              <a:rPr b="0" lang="en-GB" sz="1400" spc="-1" strike="noStrike">
+                <a:solidFill>
+                  <a:srgbClr val="000000"/>
+                </a:solidFill>
+                <a:latin typeface="Arial"/>
+              </a:rPr>
+              <a:t>t</a:t>
+            </a:r>
+            <a:r>
+              <a:rPr b="0" lang="en-GB" sz="1400" spc="-1" strike="noStrike">
+                <a:solidFill>
+                  <a:srgbClr val="000000"/>
+                </a:solidFill>
+                <a:latin typeface="Arial"/>
+              </a:rPr>
+              <a:t>o</a:t>
+            </a:r>
+            <a:r>
+              <a:rPr b="0" lang="en-GB" sz="1400" spc="-1" strike="noStrike">
+                <a:solidFill>
+                  <a:srgbClr val="000000"/>
+                </a:solidFill>
+                <a:latin typeface="Arial"/>
+              </a:rPr>
+              <a:t> </a:t>
+            </a:r>
+            <a:r>
+              <a:rPr b="0" lang="en-GB" sz="1400" spc="-1" strike="noStrike">
+                <a:solidFill>
+                  <a:srgbClr val="000000"/>
+                </a:solidFill>
+                <a:latin typeface="Arial"/>
+              </a:rPr>
+              <a:t>e</a:t>
+            </a:r>
+            <a:r>
+              <a:rPr b="0" lang="en-GB" sz="1400" spc="-1" strike="noStrike">
+                <a:solidFill>
+                  <a:srgbClr val="000000"/>
+                </a:solidFill>
+                <a:latin typeface="Arial"/>
+              </a:rPr>
+              <a:t>d</a:t>
+            </a:r>
+            <a:r>
+              <a:rPr b="0" lang="en-GB" sz="1400" spc="-1" strike="noStrike">
+                <a:solidFill>
+                  <a:srgbClr val="000000"/>
+                </a:solidFill>
+                <a:latin typeface="Arial"/>
+              </a:rPr>
+              <a:t>i</a:t>
+            </a:r>
+            <a:r>
+              <a:rPr b="0" lang="en-GB" sz="1400" spc="-1" strike="noStrike">
+                <a:solidFill>
+                  <a:srgbClr val="000000"/>
+                </a:solidFill>
+                <a:latin typeface="Arial"/>
+              </a:rPr>
+              <a:t>t </a:t>
+            </a:r>
+            <a:r>
+              <a:rPr b="0" lang="en-GB" sz="1400" spc="-1" strike="noStrike">
+                <a:solidFill>
+                  <a:srgbClr val="000000"/>
+                </a:solidFill>
+                <a:latin typeface="Arial"/>
+              </a:rPr>
+              <a:t>t</a:t>
+            </a:r>
+            <a:r>
+              <a:rPr b="0" lang="en-GB" sz="1400" spc="-1" strike="noStrike">
+                <a:solidFill>
+                  <a:srgbClr val="000000"/>
+                </a:solidFill>
+                <a:latin typeface="Arial"/>
+              </a:rPr>
+              <a:t>h</a:t>
+            </a:r>
+            <a:r>
+              <a:rPr b="0" lang="en-GB" sz="1400" spc="-1" strike="noStrike">
+                <a:solidFill>
+                  <a:srgbClr val="000000"/>
+                </a:solidFill>
+                <a:latin typeface="Arial"/>
+              </a:rPr>
+              <a:t>e</a:t>
+            </a:r>
+            <a:r>
+              <a:rPr b="0" lang="en-GB" sz="1400" spc="-1" strike="noStrike">
+                <a:solidFill>
+                  <a:srgbClr val="000000"/>
+                </a:solidFill>
+                <a:latin typeface="Arial"/>
+              </a:rPr>
+              <a:t> </a:t>
+            </a:r>
+            <a:r>
+              <a:rPr b="0" lang="en-GB" sz="1400" spc="-1" strike="noStrike">
+                <a:solidFill>
+                  <a:srgbClr val="000000"/>
+                </a:solidFill>
+                <a:latin typeface="Arial"/>
+              </a:rPr>
+              <a:t>t</a:t>
+            </a:r>
+            <a:r>
+              <a:rPr b="0" lang="en-GB" sz="1400" spc="-1" strike="noStrike">
+                <a:solidFill>
+                  <a:srgbClr val="000000"/>
+                </a:solidFill>
+                <a:latin typeface="Arial"/>
+              </a:rPr>
+              <a:t>i</a:t>
+            </a:r>
+            <a:r>
+              <a:rPr b="0" lang="en-GB" sz="1400" spc="-1" strike="noStrike">
+                <a:solidFill>
+                  <a:srgbClr val="000000"/>
+                </a:solidFill>
+                <a:latin typeface="Arial"/>
+              </a:rPr>
+              <a:t>t</a:t>
+            </a:r>
+            <a:r>
+              <a:rPr b="0" lang="en-GB" sz="1400" spc="-1" strike="noStrike">
+                <a:solidFill>
+                  <a:srgbClr val="000000"/>
+                </a:solidFill>
+                <a:latin typeface="Arial"/>
+              </a:rPr>
+              <a:t>l</a:t>
+            </a:r>
+            <a:r>
+              <a:rPr b="0" lang="en-GB" sz="1400" spc="-1" strike="noStrike">
+                <a:solidFill>
+                  <a:srgbClr val="000000"/>
+                </a:solidFill>
+                <a:latin typeface="Arial"/>
+              </a:rPr>
+              <a:t>e</a:t>
+            </a:r>
+            <a:r>
+              <a:rPr b="0" lang="en-GB" sz="1400" spc="-1" strike="noStrike">
+                <a:solidFill>
+                  <a:srgbClr val="000000"/>
+                </a:solidFill>
+                <a:latin typeface="Arial"/>
+              </a:rPr>
+              <a:t> </a:t>
+            </a:r>
+            <a:r>
+              <a:rPr b="0" lang="en-GB" sz="1400" spc="-1" strike="noStrike">
+                <a:solidFill>
+                  <a:srgbClr val="000000"/>
+                </a:solidFill>
+                <a:latin typeface="Arial"/>
+              </a:rPr>
+              <a:t>t</a:t>
+            </a:r>
+            <a:r>
+              <a:rPr b="0" lang="en-GB" sz="1400" spc="-1" strike="noStrike">
+                <a:solidFill>
+                  <a:srgbClr val="000000"/>
+                </a:solidFill>
+                <a:latin typeface="Arial"/>
+              </a:rPr>
+              <a:t>e</a:t>
+            </a:r>
+            <a:r>
+              <a:rPr b="0" lang="en-GB" sz="1400" spc="-1" strike="noStrike">
+                <a:solidFill>
+                  <a:srgbClr val="000000"/>
+                </a:solidFill>
+                <a:latin typeface="Arial"/>
+              </a:rPr>
+              <a:t>x</a:t>
+            </a:r>
+            <a:r>
+              <a:rPr b="0" lang="en-GB" sz="1400" spc="-1" strike="noStrike">
+                <a:solidFill>
+                  <a:srgbClr val="000000"/>
+                </a:solidFill>
+                <a:latin typeface="Arial"/>
+              </a:rPr>
+              <a:t>t </a:t>
+            </a:r>
+            <a:r>
+              <a:rPr b="0" lang="en-GB" sz="1400" spc="-1" strike="noStrike">
+                <a:solidFill>
+                  <a:srgbClr val="000000"/>
+                </a:solidFill>
+                <a:latin typeface="Arial"/>
+              </a:rPr>
+              <a:t>f</a:t>
+            </a:r>
+            <a:r>
+              <a:rPr b="0" lang="en-GB" sz="1400" spc="-1" strike="noStrike">
+                <a:solidFill>
+                  <a:srgbClr val="000000"/>
+                </a:solidFill>
+                <a:latin typeface="Arial"/>
+              </a:rPr>
+              <a:t>o</a:t>
+            </a:r>
+            <a:r>
+              <a:rPr b="0" lang="en-GB" sz="1400" spc="-1" strike="noStrike">
+                <a:solidFill>
+                  <a:srgbClr val="000000"/>
+                </a:solidFill>
+                <a:latin typeface="Arial"/>
+              </a:rPr>
+              <a:t>r</a:t>
+            </a:r>
+            <a:r>
+              <a:rPr b="0" lang="en-GB" sz="1400" spc="-1" strike="noStrike">
+                <a:solidFill>
+                  <a:srgbClr val="000000"/>
+                </a:solidFill>
+                <a:latin typeface="Arial"/>
+              </a:rPr>
+              <a:t>m</a:t>
+            </a:r>
+            <a:r>
+              <a:rPr b="0" lang="en-GB" sz="1400" spc="-1" strike="noStrike">
+                <a:solidFill>
+                  <a:srgbClr val="000000"/>
+                </a:solidFill>
+                <a:latin typeface="Arial"/>
+              </a:rPr>
+              <a:t>a</a:t>
+            </a:r>
+            <a:r>
+              <a:rPr b="0" lang="en-GB" sz="1400" spc="-1" strike="noStrike">
+                <a:solidFill>
+                  <a:srgbClr val="000000"/>
+                </a:solidFill>
+                <a:latin typeface="Arial"/>
+              </a:rPr>
+              <a:t>t</a:t>
+            </a:r>
+            <a:endParaRPr b="0" lang="en-GB" sz="1400" spc="-1" strike="noStrike">
               <a:solidFill>
                 <a:srgbClr val="000000"/>
               </a:solidFill>
@@ -5784,7 +6501,7 @@
                 <a:tab algn="l" pos="0"/>
               </a:tabLst>
             </a:pPr>
-            <a:fld id="{9DDCAE3D-DDC3-40CF-A8B9-FD076BBFA512}" type="slidenum">
+            <a:fld id="{41388650-01DB-4C3B-8E83-05F4093FEBC5}" type="slidenum">
               <a:rPr b="0" lang="en-GB" sz="1000" spc="-1" strike="noStrike">
                 <a:solidFill>
                   <a:srgbClr val="595959"/>
@@ -6247,7 +6964,67 @@
                 <a:latin typeface="Arial"/>
                 <a:ea typeface="Arial"/>
               </a:rPr>
-              <a:t>Let’s Get Started</a:t>
+              <a:t>Let</a:t>
+            </a:r>
+            <a:r>
+              <a:rPr b="0" lang="en-GB" sz="3000" spc="-1" strike="noStrike">
+                <a:solidFill>
+                  <a:srgbClr val="000000"/>
+                </a:solidFill>
+                <a:latin typeface="Arial"/>
+                <a:ea typeface="Arial"/>
+              </a:rPr>
+              <a:t>’s </a:t>
+            </a:r>
+            <a:r>
+              <a:rPr b="0" lang="en-GB" sz="3000" spc="-1" strike="noStrike">
+                <a:solidFill>
+                  <a:srgbClr val="000000"/>
+                </a:solidFill>
+                <a:latin typeface="Arial"/>
+                <a:ea typeface="Arial"/>
+              </a:rPr>
+              <a:t>Ge</a:t>
+            </a:r>
+            <a:r>
+              <a:rPr b="0" lang="en-GB" sz="3000" spc="-1" strike="noStrike">
+                <a:solidFill>
+                  <a:srgbClr val="000000"/>
+                </a:solidFill>
+                <a:latin typeface="Arial"/>
+                <a:ea typeface="Arial"/>
+              </a:rPr>
+              <a:t>t </a:t>
+            </a:r>
+            <a:r>
+              <a:rPr b="0" lang="en-GB" sz="3000" spc="-1" strike="noStrike">
+                <a:solidFill>
+                  <a:srgbClr val="000000"/>
+                </a:solidFill>
+                <a:latin typeface="Arial"/>
+                <a:ea typeface="Arial"/>
+              </a:rPr>
+              <a:t>Sta</a:t>
+            </a:r>
+            <a:r>
+              <a:rPr b="0" lang="en-GB" sz="3000" spc="-1" strike="noStrike">
+                <a:solidFill>
+                  <a:srgbClr val="000000"/>
+                </a:solidFill>
+                <a:latin typeface="Arial"/>
+                <a:ea typeface="Arial"/>
+              </a:rPr>
+              <a:t>rte</a:t>
+            </a:r>
+            <a:r>
+              <a:rPr b="0" lang="en-GB" sz="3000" spc="-1" strike="noStrike">
+                <a:solidFill>
+                  <a:srgbClr val="000000"/>
+                </a:solidFill>
+                <a:latin typeface="Arial"/>
+                <a:ea typeface="Arial"/>
+              </a:rPr>
+              <a:t>d</a:t>
             </a:r>
             <a:endParaRPr b="0" lang="en-GB" sz="3000" spc="-1" strike="noStrike">
               <a:solidFill>
@@ -6454,7 +7231,7 @@
         </p:nvSpPr>
         <p:spPr>
           <a:xfrm>
-            <a:off x="330840" y="2846160"/>
+            <a:off x="330840" y="2918160"/>
             <a:ext cx="8482320" cy="474840"/>
           </a:xfrm>
           <a:prstGeom prst="rect">
@@ -6465,7 +7242,7 @@
           </a:solidFill>
           <a:ln w="9360">
             <a:solidFill>
-              <a:schemeClr val="dk2"/>
+              <a:srgbClr val="595959"/>
             </a:solidFill>
             <a:round/>
           </a:ln>
@@ -6513,7 +7290,7 @@
         </p:nvSpPr>
         <p:spPr>
           <a:xfrm>
-            <a:off x="330840" y="4209840"/>
+            <a:off x="330840" y="4281840"/>
             <a:ext cx="8482320" cy="423720"/>
           </a:xfrm>
           <a:prstGeom prst="rect">
@@ -6524,7 +7301,7 @@
           </a:solidFill>
           <a:ln w="9360">
             <a:solidFill>
-              <a:schemeClr val="dk2"/>
+              <a:srgbClr val="595959"/>
             </a:solidFill>
             <a:round/>
           </a:ln>
@@ -6634,7 +7411,117 @@
                 <a:latin typeface="Arial"/>
                 <a:ea typeface="Arial"/>
               </a:rPr>
-              <a:t>Create a User then the Database</a:t>
+              <a:t>Cr</a:t>
+            </a:r>
+            <a:r>
+              <a:rPr b="0" lang="en-GB" sz="3000" spc="-1" strike="noStrike">
+                <a:solidFill>
+                  <a:srgbClr val="000000"/>
+                </a:solidFill>
+                <a:latin typeface="Arial"/>
+                <a:ea typeface="Arial"/>
+              </a:rPr>
+              <a:t>eat</a:t>
+            </a:r>
+            <a:r>
+              <a:rPr b="0" lang="en-GB" sz="3000" spc="-1" strike="noStrike">
+                <a:solidFill>
+                  <a:srgbClr val="000000"/>
+                </a:solidFill>
+                <a:latin typeface="Arial"/>
+                <a:ea typeface="Arial"/>
+              </a:rPr>
+              <a:t>e a </a:t>
+            </a:r>
+            <a:r>
+              <a:rPr b="0" lang="en-GB" sz="3000" spc="-1" strike="noStrike">
+                <a:solidFill>
+                  <a:srgbClr val="000000"/>
+                </a:solidFill>
+                <a:latin typeface="Arial"/>
+                <a:ea typeface="Arial"/>
+              </a:rPr>
+              <a:t>Us</a:t>
+            </a:r>
+            <a:r>
+              <a:rPr b="0" lang="en-GB" sz="3000" spc="-1" strike="noStrike">
+                <a:solidFill>
+                  <a:srgbClr val="000000"/>
+                </a:solidFill>
+                <a:latin typeface="Arial"/>
+                <a:ea typeface="Arial"/>
+              </a:rPr>
+              <a:t>er </a:t>
+            </a:r>
+            <a:r>
+              <a:rPr b="0" lang="en-GB" sz="3000" spc="-1" strike="noStrike">
+                <a:solidFill>
+                  <a:srgbClr val="000000"/>
+                </a:solidFill>
+                <a:latin typeface="Arial"/>
+                <a:ea typeface="Arial"/>
+              </a:rPr>
+              <a:t>the</a:t>
+            </a:r>
+            <a:r>
+              <a:rPr b="0" lang="en-GB" sz="3000" spc="-1" strike="noStrike">
+                <a:solidFill>
+                  <a:srgbClr val="000000"/>
+                </a:solidFill>
+                <a:latin typeface="Arial"/>
+                <a:ea typeface="Arial"/>
+              </a:rPr>
+              <a:t>n </a:t>
+            </a:r>
+            <a:r>
+              <a:rPr b="0" lang="en-GB" sz="3000" spc="-1" strike="noStrike">
+                <a:solidFill>
+                  <a:srgbClr val="000000"/>
+                </a:solidFill>
+                <a:latin typeface="Arial"/>
+                <a:ea typeface="Arial"/>
+              </a:rPr>
+              <a:t>the </a:t>
+            </a:r>
+            <a:r>
+              <a:rPr b="0" lang="en-GB" sz="3000" spc="-1" strike="noStrike">
+                <a:solidFill>
+                  <a:srgbClr val="000000"/>
+                </a:solidFill>
+                <a:latin typeface="Arial"/>
+                <a:ea typeface="Arial"/>
+              </a:rPr>
+              <a:t>Dat</a:t>
+            </a:r>
+            <a:r>
+              <a:rPr b="0" lang="en-GB" sz="3000" spc="-1" strike="noStrike">
+                <a:solidFill>
+                  <a:srgbClr val="000000"/>
+                </a:solidFill>
+                <a:latin typeface="Arial"/>
+                <a:ea typeface="Arial"/>
+              </a:rPr>
+              <a:t>ab</a:t>
+            </a:r>
+            <a:r>
+              <a:rPr b="0" lang="en-GB" sz="3000" spc="-1" strike="noStrike">
+                <a:solidFill>
+                  <a:srgbClr val="000000"/>
+                </a:solidFill>
+                <a:latin typeface="Arial"/>
+                <a:ea typeface="Arial"/>
+              </a:rPr>
+              <a:t>as</a:t>
+            </a:r>
+            <a:r>
+              <a:rPr b="0" lang="en-GB" sz="3000" spc="-1" strike="noStrike">
+                <a:solidFill>
+                  <a:srgbClr val="000000"/>
+                </a:solidFill>
+                <a:latin typeface="Arial"/>
+                <a:ea typeface="Arial"/>
+              </a:rPr>
+              <a:t>e</a:t>
             </a:r>
             <a:endParaRPr b="0" lang="en-GB" sz="3000" spc="-1" strike="noStrike">
               <a:solidFill>
@@ -6889,7 +7776,7 @@
           </a:solidFill>
           <a:ln w="9360">
             <a:solidFill>
-              <a:schemeClr val="dk2"/>
+              <a:srgbClr val="595959"/>
             </a:solidFill>
             <a:round/>
           </a:ln>
@@ -6948,7 +7835,7 @@
           </a:solidFill>
           <a:ln w="9360">
             <a:solidFill>
-              <a:schemeClr val="dk2"/>
+              <a:srgbClr val="595959"/>
             </a:solidFill>
             <a:round/>
           </a:ln>
@@ -7058,7 +7945,167 @@
                 <a:latin typeface="Arial"/>
                 <a:ea typeface="Arial"/>
               </a:rPr>
-              <a:t>Run the psql Command Line Interface (CLI)</a:t>
+              <a:t>Ru</a:t>
+            </a:r>
+            <a:r>
+              <a:rPr b="0" lang="en-GB" sz="3000" spc="-1" strike="noStrike">
+                <a:solidFill>
+                  <a:srgbClr val="000000"/>
+                </a:solidFill>
+                <a:latin typeface="Arial"/>
+                <a:ea typeface="Arial"/>
+              </a:rPr>
+              <a:t>n </a:t>
+            </a:r>
+            <a:r>
+              <a:rPr b="0" lang="en-GB" sz="3000" spc="-1" strike="noStrike">
+                <a:solidFill>
+                  <a:srgbClr val="000000"/>
+                </a:solidFill>
+                <a:latin typeface="Arial"/>
+                <a:ea typeface="Arial"/>
+              </a:rPr>
+              <a:t>the </a:t>
+            </a:r>
+            <a:r>
+              <a:rPr b="0" lang="en-GB" sz="3000" spc="-1" strike="noStrike">
+                <a:solidFill>
+                  <a:srgbClr val="000000"/>
+                </a:solidFill>
+                <a:latin typeface="Arial"/>
+                <a:ea typeface="Arial"/>
+              </a:rPr>
+              <a:t>ps</a:t>
+            </a:r>
+            <a:r>
+              <a:rPr b="0" lang="en-GB" sz="3000" spc="-1" strike="noStrike">
+                <a:solidFill>
+                  <a:srgbClr val="000000"/>
+                </a:solidFill>
+                <a:latin typeface="Arial"/>
+                <a:ea typeface="Arial"/>
+              </a:rPr>
+              <a:t>ql </a:t>
+            </a:r>
+            <a:r>
+              <a:rPr b="0" lang="en-GB" sz="3000" spc="-1" strike="noStrike">
+                <a:solidFill>
+                  <a:srgbClr val="000000"/>
+                </a:solidFill>
+                <a:latin typeface="Arial"/>
+                <a:ea typeface="Arial"/>
+              </a:rPr>
+              <a:t>Co</a:t>
+            </a:r>
+            <a:r>
+              <a:rPr b="0" lang="en-GB" sz="3000" spc="-1" strike="noStrike">
+                <a:solidFill>
+                  <a:srgbClr val="000000"/>
+                </a:solidFill>
+                <a:latin typeface="Arial"/>
+                <a:ea typeface="Arial"/>
+              </a:rPr>
+              <a:t>m</a:t>
+            </a:r>
+            <a:r>
+              <a:rPr b="0" lang="en-GB" sz="3000" spc="-1" strike="noStrike">
+                <a:solidFill>
+                  <a:srgbClr val="000000"/>
+                </a:solidFill>
+                <a:latin typeface="Arial"/>
+                <a:ea typeface="Arial"/>
+              </a:rPr>
+              <a:t>ma</a:t>
+            </a:r>
+            <a:r>
+              <a:rPr b="0" lang="en-GB" sz="3000" spc="-1" strike="noStrike">
+                <a:solidFill>
+                  <a:srgbClr val="000000"/>
+                </a:solidFill>
+                <a:latin typeface="Arial"/>
+                <a:ea typeface="Arial"/>
+              </a:rPr>
+              <a:t>nd </a:t>
+            </a:r>
+            <a:r>
+              <a:rPr b="0" lang="en-GB" sz="3000" spc="-1" strike="noStrike">
+                <a:solidFill>
+                  <a:srgbClr val="000000"/>
+                </a:solidFill>
+                <a:latin typeface="Arial"/>
+                <a:ea typeface="Arial"/>
+              </a:rPr>
+              <a:t>Lin</a:t>
+            </a:r>
+            <a:r>
+              <a:rPr b="0" lang="en-GB" sz="3000" spc="-1" strike="noStrike">
+                <a:solidFill>
+                  <a:srgbClr val="000000"/>
+                </a:solidFill>
+                <a:latin typeface="Arial"/>
+                <a:ea typeface="Arial"/>
+              </a:rPr>
+              <a:t>e </a:t>
+            </a:r>
+            <a:r>
+              <a:rPr b="0" lang="en-GB" sz="3000" spc="-1" strike="noStrike">
+                <a:solidFill>
+                  <a:srgbClr val="000000"/>
+                </a:solidFill>
+                <a:latin typeface="Arial"/>
+                <a:ea typeface="Arial"/>
+              </a:rPr>
+              <a:t>Int</a:t>
+            </a:r>
+            <a:r>
+              <a:rPr b="0" lang="en-GB" sz="3000" spc="-1" strike="noStrike">
+                <a:solidFill>
+                  <a:srgbClr val="000000"/>
+                </a:solidFill>
+                <a:latin typeface="Arial"/>
+                <a:ea typeface="Arial"/>
+              </a:rPr>
+              <a:t>erf</a:t>
+            </a:r>
+            <a:r>
+              <a:rPr b="0" lang="en-GB" sz="3000" spc="-1" strike="noStrike">
+                <a:solidFill>
+                  <a:srgbClr val="000000"/>
+                </a:solidFill>
+                <a:latin typeface="Arial"/>
+                <a:ea typeface="Arial"/>
+              </a:rPr>
+              <a:t>ac</a:t>
+            </a:r>
+            <a:r>
+              <a:rPr b="0" lang="en-GB" sz="3000" spc="-1" strike="noStrike">
+                <a:solidFill>
+                  <a:srgbClr val="000000"/>
+                </a:solidFill>
+                <a:latin typeface="Arial"/>
+                <a:ea typeface="Arial"/>
+              </a:rPr>
+              <a:t>e </a:t>
+            </a:r>
+            <a:r>
+              <a:rPr b="0" lang="en-GB" sz="3000" spc="-1" strike="noStrike">
+                <a:solidFill>
+                  <a:srgbClr val="000000"/>
+                </a:solidFill>
+                <a:latin typeface="Arial"/>
+                <a:ea typeface="Arial"/>
+              </a:rPr>
+              <a:t>(C</a:t>
+            </a:r>
+            <a:r>
+              <a:rPr b="0" lang="en-GB" sz="3000" spc="-1" strike="noStrike">
+                <a:solidFill>
+                  <a:srgbClr val="000000"/>
+                </a:solidFill>
+                <a:latin typeface="Arial"/>
+                <a:ea typeface="Arial"/>
+              </a:rPr>
+              <a:t>LI)</a:t>
             </a:r>
             <a:endParaRPr b="0" lang="en-GB" sz="3000" spc="-1" strike="noStrike">
               <a:solidFill>
@@ -7139,7 +8186,7 @@
           </a:solidFill>
           <a:ln w="9360">
             <a:solidFill>
-              <a:schemeClr val="dk2"/>
+              <a:srgbClr val="595959"/>
             </a:solidFill>
             <a:round/>
           </a:ln>
@@ -7650,7 +8697,7 @@
           </a:solidFill>
           <a:ln w="9360">
             <a:solidFill>
-              <a:schemeClr val="dk2"/>
+              <a:srgbClr val="595959"/>
             </a:solidFill>
             <a:round/>
           </a:ln>
@@ -7964,7 +9011,117 @@
                 <a:latin typeface="Arial"/>
                 <a:ea typeface="Arial"/>
               </a:rPr>
-              <a:t>The SELECT Statement</a:t>
+              <a:t>Th</a:t>
+            </a:r>
+            <a:r>
+              <a:rPr b="0" lang="en-GB" sz="3000" spc="-1" strike="noStrike">
+                <a:solidFill>
+                  <a:srgbClr val="000000"/>
+                </a:solidFill>
+                <a:latin typeface="Arial"/>
+                <a:ea typeface="Arial"/>
+              </a:rPr>
+              <a:t>e </a:t>
+            </a:r>
+            <a:r>
+              <a:rPr b="0" lang="en-GB" sz="3000" spc="-1" strike="noStrike">
+                <a:solidFill>
+                  <a:srgbClr val="000000"/>
+                </a:solidFill>
+                <a:latin typeface="Arial"/>
+                <a:ea typeface="Arial"/>
+              </a:rPr>
+              <a:t>S</a:t>
+            </a:r>
+            <a:r>
+              <a:rPr b="0" lang="en-GB" sz="3000" spc="-1" strike="noStrike">
+                <a:solidFill>
+                  <a:srgbClr val="000000"/>
+                </a:solidFill>
+                <a:latin typeface="Arial"/>
+                <a:ea typeface="Arial"/>
+              </a:rPr>
+              <a:t>EL</a:t>
+            </a:r>
+            <a:r>
+              <a:rPr b="0" lang="en-GB" sz="3000" spc="-1" strike="noStrike">
+                <a:solidFill>
+                  <a:srgbClr val="000000"/>
+                </a:solidFill>
+                <a:latin typeface="Arial"/>
+                <a:ea typeface="Arial"/>
+              </a:rPr>
+              <a:t>E</a:t>
+            </a:r>
+            <a:r>
+              <a:rPr b="0" lang="en-GB" sz="3000" spc="-1" strike="noStrike">
+                <a:solidFill>
+                  <a:srgbClr val="000000"/>
+                </a:solidFill>
+                <a:latin typeface="Arial"/>
+                <a:ea typeface="Arial"/>
+              </a:rPr>
+              <a:t>CT </a:t>
+            </a:r>
+            <a:r>
+              <a:rPr b="0" lang="en-GB" sz="3000" spc="-1" strike="noStrike">
+                <a:solidFill>
+                  <a:srgbClr val="000000"/>
+                </a:solidFill>
+                <a:latin typeface="Arial"/>
+                <a:ea typeface="Arial"/>
+              </a:rPr>
+              <a:t>St</a:t>
+            </a:r>
+            <a:r>
+              <a:rPr b="0" lang="en-GB" sz="3000" spc="-1" strike="noStrike">
+                <a:solidFill>
+                  <a:srgbClr val="000000"/>
+                </a:solidFill>
+                <a:latin typeface="Arial"/>
+                <a:ea typeface="Arial"/>
+              </a:rPr>
+              <a:t>at</a:t>
+            </a:r>
+            <a:r>
+              <a:rPr b="0" lang="en-GB" sz="3000" spc="-1" strike="noStrike">
+                <a:solidFill>
+                  <a:srgbClr val="000000"/>
+                </a:solidFill>
+                <a:latin typeface="Arial"/>
+                <a:ea typeface="Arial"/>
+              </a:rPr>
+              <a:t>e</a:t>
+            </a:r>
+            <a:r>
+              <a:rPr b="0" lang="en-GB" sz="3000" spc="-1" strike="noStrike">
+                <a:solidFill>
+                  <a:srgbClr val="000000"/>
+                </a:solidFill>
+                <a:latin typeface="Arial"/>
+                <a:ea typeface="Arial"/>
+              </a:rPr>
+              <a:t>m</a:t>
+            </a:r>
+            <a:r>
+              <a:rPr b="0" lang="en-GB" sz="3000" spc="-1" strike="noStrike">
+                <a:solidFill>
+                  <a:srgbClr val="000000"/>
+                </a:solidFill>
+                <a:latin typeface="Arial"/>
+                <a:ea typeface="Arial"/>
+              </a:rPr>
+              <a:t>en</a:t>
+            </a:r>
+            <a:r>
+              <a:rPr b="0" lang="en-GB" sz="3000" spc="-1" strike="noStrike">
+                <a:solidFill>
+                  <a:srgbClr val="000000"/>
+                </a:solidFill>
+                <a:latin typeface="Arial"/>
+                <a:ea typeface="Arial"/>
+              </a:rPr>
+              <a:t>t</a:t>
             </a:r>
             <a:endParaRPr b="0" lang="en-GB" sz="3000" spc="-1" strike="noStrike">
               <a:solidFill>
@@ -8015,7 +9172,17 @@
                 <a:latin typeface="Arial"/>
                 <a:ea typeface="Arial"/>
               </a:rPr>
-              <a:t>To get data out of a table you use the SELECT statement:</a:t>
+              <a:t>To get data out of a table you use the SELECT </a:t>
+            </a:r>
+            <a:r>
+              <a:rPr b="0" lang="en-GB" sz="2800" spc="-1" strike="noStrike">
+                <a:solidFill>
+                  <a:srgbClr val="20124d"/>
+                </a:solidFill>
+                <a:latin typeface="Arial"/>
+                <a:ea typeface="Arial"/>
+              </a:rPr>
+              <a:t>statement:</a:t>
             </a:r>
             <a:endParaRPr b="0" lang="en-GB" sz="2800" spc="-1" strike="noStrike">
               <a:solidFill>
@@ -8136,19 +9303,6 @@
                 <a:ea typeface="Courier New"/>
               </a:rPr>
               <a:t>SELECT name, phone, country FROM customers; </a:t>
-            </a:r>
-            <a:r>
-              <a:rPr b="0" lang="en-GB" sz="2400" spc="-1" strike="noStrike">
-                <a:solidFill>
-                  <a:srgbClr val="a4c2f4"/>
-                </a:solidFill>
-                <a:highlight>
-                  <a:srgbClr val="351c75"/>
-                </a:highlight>
-                <a:latin typeface="Courier New"/>
-                <a:ea typeface="Courier New"/>
-              </a:rPr>
-              <a:t>-</a:t>
             </a:r>
             <a:endParaRPr b="0" lang="en-GB" sz="2400" spc="-1" strike="noStrike">
               <a:solidFill>
@@ -8245,8 +9399,8 @@
         </p:nvSpPr>
         <p:spPr>
           <a:xfrm>
-            <a:off x="5552640" y="1684800"/>
-            <a:ext cx="2855880" cy="988920"/>
+            <a:off x="5496120" y="1828800"/>
+            <a:ext cx="2855880" cy="835200"/>
           </a:xfrm>
           <a:prstGeom prst="wedgeRoundRectCallout">
             <a:avLst>
@@ -8256,11 +9410,11 @@
             </a:avLst>
           </a:prstGeom>
           <a:solidFill>
-            <a:schemeClr val="lt2"/>
+            <a:srgbClr val="eeeeee"/>
           </a:solidFill>
           <a:ln w="9360">
             <a:solidFill>
-              <a:schemeClr val="dk2"/>
+              <a:srgbClr val="595959"/>
             </a:solidFill>
             <a:round/>
           </a:ln>
@@ -8433,7 +9587,7 @@
           <a:p>
             <a:pPr>
               <a:lnSpc>
-                <a:spcPct val="115000"/>
+                <a:spcPct val="100000"/>
               </a:lnSpc>
               <a:tabLst>
                 <a:tab algn="l" pos="0"/>
@@ -8465,10 +9619,26 @@
               </a:rPr>
               <a:t>SELECT country, name, </a:t>
             </a:r>
+            <a:endParaRPr b="0" lang="en-GB" sz="2400" spc="-1" strike="noStrike">
+              <a:solidFill>
+                <a:srgbClr val="000000"/>
+              </a:solidFill>
+              <a:latin typeface="Arial"/>
+            </a:endParaRPr>
+          </a:p>
+          <a:p>
+            <a:pPr>
+              <a:lnSpc>
+                <a:spcPct val="100000"/>
+              </a:lnSpc>
+              <a:tabLst>
+                <a:tab algn="l" pos="0"/>
+              </a:tabLst>
+            </a:pPr>
             <a:r>
               <a:rPr b="0" lang="en-GB" sz="2400" spc="-1" strike="noStrike">
                 <a:solidFill>
-                  <a:srgbClr val="a4c2f4"/>
+                  <a:srgbClr val="efefef"/>
                 </a:solidFill>
                 <a:highlight>
                   <a:srgbClr val="351c75"/>
@@ -8476,7 +9646,7 @@
                 <a:latin typeface="Courier New"/>
                 <a:ea typeface="Courier New"/>
               </a:rPr>
-              <a:t>-</a:t>
+              <a:t>   </a:t>
             </a:r>
             <a:r>
               <a:rPr b="0" lang="en-GB" sz="2400" spc="-1" strike="noStrike">
@@ -8489,24 +9659,9 @@
                 <a:latin typeface="Courier New"/>
                 <a:ea typeface="Courier New"/>
               </a:rPr>
-              <a:t> </a:t>
-            </a:r>
-            <a:endParaRPr b="0" lang="en-GB" sz="2400" spc="-1" strike="noStrike">
-              <a:solidFill>
-                <a:srgbClr val="000000"/>
-              </a:solidFill>
-              <a:latin typeface="Arial"/>
-            </a:endParaRPr>
-          </a:p>
-          <a:p>
-            <a:pPr>
-              <a:lnSpc>
-                <a:spcPct val="115000"/>
-              </a:lnSpc>
-              <a:tabLst>
-                <a:tab algn="l" pos="0"/>
-              </a:tabLst>
-            </a:pPr>
+              <a:t>phone FROM </a:t>
+            </a:r>
+            <a:br/>
             <a:r>
               <a:rPr b="0" lang="en-GB" sz="2400" spc="-1" strike="noStrike">
                 <a:solidFill>
@@ -8518,8 +9673,69 @@
                 <a:latin typeface="Courier New"/>
                 <a:ea typeface="Courier New"/>
               </a:rPr>
-              <a:t>   </a:t>
-            </a:r>
+              <a:t>   customers; </a:t>
+            </a:r>
+            <a:r>
+              <a:rPr b="0" lang="en-GB" sz="2400" spc="-1" strike="noStrike">
+                <a:solidFill>
+                  <a:srgbClr val="efefef"/>
+                </a:solidFill>
+                <a:latin typeface="Courier New"/>
+                <a:ea typeface="Courier New"/>
+              </a:rPr>
+              <a:t>  </a:t>
+            </a:r>
+            <a:r>
+              <a:rPr b="0" lang="en-GB" sz="2400" spc="-1" strike="noStrike">
+                <a:solidFill>
+                  <a:srgbClr val="000000"/>
+                </a:solidFill>
+                <a:latin typeface="Arial"/>
+              </a:rPr>
+              <a:t>Commands can run over several lines</a:t>
+            </a:r>
+            <a:endParaRPr b="0" lang="en-GB" sz="2400" spc="-1" strike="noStrike">
+              <a:solidFill>
+                <a:srgbClr val="000000"/>
+              </a:solidFill>
+              <a:latin typeface="Arial"/>
+            </a:endParaRPr>
+          </a:p>
+          <a:p>
+            <a:pPr>
+              <a:lnSpc>
+                <a:spcPct val="100000"/>
+              </a:lnSpc>
+              <a:tabLst>
+                <a:tab algn="l" pos="0"/>
+              </a:tabLst>
+            </a:pPr>
+            <a:br/>
+            <a:r>
+              <a:rPr b="0" lang="en-GB" sz="2400" spc="-1" strike="noStrike">
+                <a:solidFill>
+                  <a:srgbClr val="000000"/>
+                </a:solidFill>
+                <a:latin typeface="Arial"/>
+              </a:rPr>
+              <a:t>To see the column names in a table use either:</a:t>
+            </a:r>
+            <a:endParaRPr b="0" lang="en-GB" sz="2400" spc="-1" strike="noStrike">
+              <a:solidFill>
+                <a:srgbClr val="000000"/>
+              </a:solidFill>
+              <a:latin typeface="Arial"/>
+            </a:endParaRPr>
+          </a:p>
+          <a:p>
+            <a:pPr>
+              <a:lnSpc>
+                <a:spcPct val="100000"/>
+              </a:lnSpc>
+              <a:tabLst>
+                <a:tab algn="l" pos="0"/>
+              </a:tabLst>
+            </a:pPr>
             <a:r>
               <a:rPr b="0" lang="en-GB" sz="2400" spc="-1" strike="noStrike">
                 <a:solidFill>
@@ -8531,12 +9747,12 @@
                 <a:latin typeface="Courier New"/>
                 <a:ea typeface="Courier New"/>
               </a:rPr>
-              <a:t>phone FROM </a:t>
+              <a:t> </a:t>
             </a:r>
             <a:r>
               <a:rPr b="0" lang="en-GB" sz="2400" spc="-1" strike="noStrike">
                 <a:solidFill>
-                  <a:srgbClr val="a4c2f4"/>
+                  <a:srgbClr val="efefef"/>
                 </a:solidFill>
                 <a:highlight>
                   <a:srgbClr val="351c75"/>
@@ -8544,8 +9760,60 @@
                 <a:latin typeface="Courier New"/>
                 <a:ea typeface="Courier New"/>
               </a:rPr>
-              <a:t>-</a:t>
-            </a:r>
+              <a:t>SELECT * FROM customers; </a:t>
+            </a:r>
+            <a:r>
+              <a:rPr b="0" lang="en-GB" sz="2400" spc="-1" strike="noStrike">
+                <a:solidFill>
+                  <a:srgbClr val="a4c2f4"/>
+                </a:solidFill>
+                <a:latin typeface="Courier New"/>
+                <a:ea typeface="Courier New"/>
+              </a:rPr>
+              <a:t> </a:t>
+            </a:r>
+            <a:endParaRPr b="0" lang="en-GB" sz="2400" spc="-1" strike="noStrike">
+              <a:solidFill>
+                <a:srgbClr val="000000"/>
+              </a:solidFill>
+              <a:latin typeface="Arial"/>
+            </a:endParaRPr>
+          </a:p>
+          <a:p>
+            <a:pPr>
+              <a:lnSpc>
+                <a:spcPct val="100000"/>
+              </a:lnSpc>
+              <a:tabLst>
+                <a:tab algn="l" pos="0"/>
+              </a:tabLst>
+            </a:pPr>
+            <a:r>
+              <a:rPr b="0" lang="en-GB" sz="2400" spc="-1" strike="noStrike">
+                <a:solidFill>
+                  <a:srgbClr val="20124d"/>
+                </a:solidFill>
+                <a:latin typeface="Arial"/>
+                <a:ea typeface="Arial"/>
+              </a:rPr>
+              <a:t>Or</a:t>
+            </a:r>
+            <a:endParaRPr b="0" lang="en-GB" sz="2400" spc="-1" strike="noStrike">
+              <a:solidFill>
+                <a:srgbClr val="000000"/>
+              </a:solidFill>
+              <a:latin typeface="Arial"/>
+            </a:endParaRPr>
+          </a:p>
+          <a:p>
+            <a:pPr>
+              <a:lnSpc>
+                <a:spcPct val="100000"/>
+              </a:lnSpc>
+              <a:tabLst>
+                <a:tab algn="l" pos="0"/>
+              </a:tabLst>
+            </a:pPr>
             <a:r>
               <a:rPr b="0" lang="en-GB" sz="2400" spc="-1" strike="noStrike">
                 <a:solidFill>
@@ -8559,22 +9827,6 @@
               </a:rPr>
               <a:t> </a:t>
             </a:r>
-            <a:endParaRPr b="0" lang="en-GB" sz="2400" spc="-1" strike="noStrike">
-              <a:solidFill>
-                <a:srgbClr val="000000"/>
-              </a:solidFill>
-              <a:latin typeface="Arial"/>
-            </a:endParaRPr>
-          </a:p>
-          <a:p>
-            <a:pPr>
-              <a:lnSpc>
-                <a:spcPct val="115000"/>
-              </a:lnSpc>
-              <a:tabLst>
-                <a:tab algn="l" pos="0"/>
-              </a:tabLst>
-            </a:pPr>
             <a:r>
               <a:rPr b="0" lang="en-GB" sz="2400" spc="-1" strike="noStrike">
                 <a:solidFill>
@@ -8586,214 +9838,7 @@
                 <a:latin typeface="Courier New"/>
                 <a:ea typeface="Courier New"/>
               </a:rPr>
-              <a:t>   </a:t>
-            </a:r>
-            <a:r>
-              <a:rPr b="0" lang="en-GB" sz="2400" spc="-1" strike="noStrike">
-                <a:solidFill>
-                  <a:srgbClr val="efefef"/>
-                </a:solidFill>
-                <a:highlight>
-                  <a:srgbClr val="351c75"/>
-                </a:highlight>
-                <a:latin typeface="Courier New"/>
-                <a:ea typeface="Courier New"/>
-              </a:rPr>
-              <a:t>customers; </a:t>
-            </a:r>
-            <a:r>
-              <a:rPr b="0" lang="en-GB" sz="2400" spc="-1" strike="noStrike">
-                <a:solidFill>
-                  <a:srgbClr val="a4c2f4"/>
-                </a:solidFill>
-                <a:highlight>
-                  <a:srgbClr val="351c75"/>
-                </a:highlight>
-                <a:latin typeface="Courier New"/>
-                <a:ea typeface="Courier New"/>
-              </a:rPr>
-              <a:t>- </a:t>
-            </a:r>
-            <a:r>
-              <a:rPr b="0" lang="en-GB" sz="2400" spc="-1" strike="noStrike">
-                <a:solidFill>
-                  <a:srgbClr val="20124d"/>
-                </a:solidFill>
-                <a:highlight>
-                  <a:srgbClr val="351c75"/>
-                </a:highlight>
-                <a:latin typeface="Arial"/>
-                <a:ea typeface="Arial"/>
-              </a:rPr>
-              <a:t>Commands can run over several lines</a:t>
-            </a:r>
-            <a:endParaRPr b="0" lang="en-GB" sz="2400" spc="-1" strike="noStrike">
-              <a:solidFill>
-                <a:srgbClr val="000000"/>
-              </a:solidFill>
-              <a:latin typeface="Arial"/>
-            </a:endParaRPr>
-          </a:p>
-          <a:p>
-            <a:pPr>
-              <a:lnSpc>
-                <a:spcPct val="115000"/>
-              </a:lnSpc>
-              <a:tabLst>
-                <a:tab algn="l" pos="0"/>
-              </a:tabLst>
-            </a:pPr>
-            <a:endParaRPr b="0" lang="en-GB" sz="2400" spc="-1" strike="noStrike">
-              <a:solidFill>
-                <a:srgbClr val="000000"/>
-              </a:solidFill>
-              <a:latin typeface="Arial"/>
-            </a:endParaRPr>
-          </a:p>
-          <a:p>
-            <a:pPr>
-              <a:lnSpc>
-                <a:spcPct val="115000"/>
-              </a:lnSpc>
-              <a:tabLst>
-                <a:tab algn="l" pos="0"/>
-              </a:tabLst>
-            </a:pPr>
-            <a:r>
-              <a:rPr b="0" lang="en-GB" sz="2400" spc="-1" strike="noStrike">
-                <a:solidFill>
-                  <a:srgbClr val="20124d"/>
-                </a:solidFill>
-                <a:highlight>
-                  <a:srgbClr val="351c75"/>
-                </a:highlight>
-                <a:latin typeface="Arial"/>
-                <a:ea typeface="Arial"/>
-              </a:rPr>
-              <a:t>To see the column names in a table use either:</a:t>
-            </a:r>
-            <a:endParaRPr b="0" lang="en-GB" sz="2400" spc="-1" strike="noStrike">
-              <a:solidFill>
-                <a:srgbClr val="000000"/>
-              </a:solidFill>
-              <a:latin typeface="Arial"/>
-            </a:endParaRPr>
-          </a:p>
-          <a:p>
-            <a:pPr>
-              <a:lnSpc>
-                <a:spcPct val="115000"/>
-              </a:lnSpc>
-              <a:tabLst>
-                <a:tab algn="l" pos="0"/>
-              </a:tabLst>
-            </a:pPr>
-            <a:r>
-              <a:rPr b="0" lang="en-GB" sz="2400" spc="-1" strike="noStrike">
-                <a:solidFill>
-                  <a:srgbClr val="efefef"/>
-                </a:solidFill>
-                <a:highlight>
-                  <a:srgbClr val="351c75"/>
-                </a:highlight>
-                <a:latin typeface="Courier New"/>
-                <a:ea typeface="Courier New"/>
-              </a:rPr>
-              <a:t> </a:t>
-            </a:r>
-            <a:r>
-              <a:rPr b="0" lang="en-GB" sz="2400" spc="-1" strike="noStrike">
-                <a:solidFill>
-                  <a:srgbClr val="efefef"/>
-                </a:solidFill>
-                <a:highlight>
-                  <a:srgbClr val="351c75"/>
-                </a:highlight>
-                <a:latin typeface="Courier New"/>
-                <a:ea typeface="Courier New"/>
-              </a:rPr>
-              <a:t>SELECT * FROM customers; </a:t>
-            </a:r>
-            <a:r>
-              <a:rPr b="0" lang="en-GB" sz="2400" spc="-1" strike="noStrike">
-                <a:solidFill>
-                  <a:srgbClr val="a4c2f4"/>
-                </a:solidFill>
-                <a:highlight>
-                  <a:srgbClr val="351c75"/>
-                </a:highlight>
-                <a:latin typeface="Courier New"/>
-                <a:ea typeface="Courier New"/>
-              </a:rPr>
-              <a:t>- </a:t>
-            </a:r>
-            <a:r>
-              <a:rPr b="0" lang="en-GB" sz="2400" spc="-1" strike="noStrike">
-                <a:solidFill>
-                  <a:srgbClr val="20124d"/>
-                </a:solidFill>
-                <a:highlight>
-                  <a:srgbClr val="351c75"/>
-                </a:highlight>
-                <a:latin typeface="Arial"/>
-                <a:ea typeface="Arial"/>
-              </a:rPr>
-              <a:t>Or</a:t>
-            </a:r>
-            <a:endParaRPr b="0" lang="en-GB" sz="2400" spc="-1" strike="noStrike">
-              <a:solidFill>
-                <a:srgbClr val="000000"/>
-              </a:solidFill>
-              <a:latin typeface="Arial"/>
-            </a:endParaRPr>
-          </a:p>
-          <a:p>
-            <a:pPr>
-              <a:lnSpc>
-                <a:spcPct val="115000"/>
-              </a:lnSpc>
-              <a:tabLst>
-                <a:tab algn="l" pos="0"/>
-              </a:tabLst>
-            </a:pPr>
-            <a:r>
-              <a:rPr b="0" lang="en-GB" sz="2400" spc="-1" strike="noStrike">
-                <a:solidFill>
-                  <a:srgbClr val="efefef"/>
-                </a:solidFill>
-                <a:highlight>
-                  <a:srgbClr val="351c75"/>
-                </a:highlight>
-                <a:latin typeface="Courier New"/>
-                <a:ea typeface="Courier New"/>
-              </a:rPr>
-              <a:t> </a:t>
-            </a:r>
-            <a:r>
-              <a:rPr b="0" lang="en-GB" sz="2400" spc="-1" strike="noStrike">
-                <a:solidFill>
-                  <a:srgbClr val="efefef"/>
-                </a:solidFill>
-                <a:highlight>
-                  <a:srgbClr val="351c75"/>
-                </a:highlight>
-                <a:latin typeface="Courier New"/>
-                <a:ea typeface="Courier New"/>
-              </a:rPr>
               <a:t>\d customers </a:t>
-            </a:r>
-            <a:r>
-              <a:rPr b="0" lang="en-GB" sz="2400" spc="-1" strike="noStrike">
-                <a:solidFill>
-                  <a:srgbClr val="a4c2f4"/>
-                </a:solidFill>
-                <a:highlight>
-                  <a:srgbClr val="351c75"/>
-                </a:highlight>
-                <a:latin typeface="Courier New"/>
-                <a:ea typeface="Courier New"/>
-              </a:rPr>
-              <a:t>-</a:t>
             </a:r>
             <a:endParaRPr b="0" lang="en-GB" sz="2400" spc="-1" strike="noStrike">
               <a:solidFill>
@@ -8947,7 +9992,7 @@
               <a:buClr>
                 <a:srgbClr val="20124d"/>
               </a:buClr>
-              <a:buFont typeface="Arial"/>
+              <a:buFont typeface="StarSymbol"/>
               <a:buAutoNum type="arabicPeriod"/>
             </a:pPr>
             <a:r>
@@ -8975,7 +10020,7 @@
               <a:buClr>
                 <a:srgbClr val="20124d"/>
               </a:buClr>
-              <a:buFont typeface="Arial"/>
+              <a:buFont typeface="StarSymbol"/>
               <a:buAutoNum type="arabicPeriod"/>
             </a:pPr>
             <a:r>
@@ -9003,7 +10048,7 @@
               <a:buClr>
                 <a:srgbClr val="20124d"/>
               </a:buClr>
-              <a:buFont typeface="Arial"/>
+              <a:buFont typeface="StarSymbol"/>
               <a:buAutoNum type="arabicPeriod"/>
             </a:pPr>
             <a:r>
@@ -9768,7 +10813,7 @@
               <a:buClr>
                 <a:srgbClr val="20124d"/>
               </a:buClr>
-              <a:buFont typeface="Arial"/>
+              <a:buFont typeface="StarSymbol"/>
               <a:buAutoNum type="arabicPeriod"/>
             </a:pPr>
             <a:r>
@@ -9796,7 +10841,7 @@
               <a:buClr>
                 <a:srgbClr val="20124d"/>
               </a:buClr>
-              <a:buFont typeface="Arial"/>
+              <a:buFont typeface="StarSymbol"/>
               <a:buAutoNum type="arabicPeriod"/>
             </a:pPr>
             <a:r>
@@ -9824,7 +10869,7 @@
               <a:buClr>
                 <a:srgbClr val="20124d"/>
               </a:buClr>
-              <a:buFont typeface="Arial"/>
+              <a:buFont typeface="StarSymbol"/>
               <a:buAutoNum type="arabicPeriod"/>
             </a:pPr>
             <a:r>
@@ -10386,7 +11431,27 @@
                 <a:latin typeface="Arial"/>
                 <a:ea typeface="Arial"/>
               </a:rPr>
-              <a:t>Objectives</a:t>
+              <a:t>Obj</a:t>
+            </a:r>
+            <a:r>
+              <a:rPr b="0" lang="en-GB" sz="3000" spc="-1" strike="noStrike">
+                <a:solidFill>
+                  <a:srgbClr val="000000"/>
+                </a:solidFill>
+                <a:latin typeface="Arial"/>
+                <a:ea typeface="Arial"/>
+              </a:rPr>
+              <a:t>ecti</a:t>
+            </a:r>
+            <a:r>
+              <a:rPr b="0" lang="en-GB" sz="3000" spc="-1" strike="noStrike">
+                <a:solidFill>
+                  <a:srgbClr val="000000"/>
+                </a:solidFill>
+                <a:latin typeface="Arial"/>
+                <a:ea typeface="Arial"/>
+              </a:rPr>
+              <a:t>ves</a:t>
             </a:r>
             <a:endParaRPr b="0" lang="en-GB" sz="3000" spc="-1" strike="noStrike">
               <a:solidFill>
@@ -11095,7 +12160,7 @@
                 <a:latin typeface="Arial"/>
                 <a:ea typeface="Arial"/>
               </a:rPr>
-              <a:t>(e.g. https://www.postgresql.org/docs/10/functions.html)</a:t>
+              <a:t>(e.g. https://www.postgresql.org/docs/12/functions.html)</a:t>
             </a:r>
             <a:endParaRPr b="0" lang="en-GB" sz="2400" spc="-1" strike="noStrike">
               <a:solidFill>
@@ -14151,7 +15216,7 @@
               <a:buClr>
                 <a:srgbClr val="20124d"/>
               </a:buClr>
-              <a:buFont typeface="Arial"/>
+              <a:buFont typeface="StarSymbol"/>
               <a:buAutoNum type="arabicPeriod"/>
             </a:pPr>
             <a:r>
@@ -14179,7 +15244,7 @@
               <a:buClr>
                 <a:srgbClr val="20124d"/>
               </a:buClr>
-              <a:buFont typeface="Arial"/>
+              <a:buFont typeface="StarSymbol"/>
               <a:buAutoNum type="arabicPeriod"/>
             </a:pPr>
             <a:r>
@@ -14207,7 +15272,7 @@
               <a:buClr>
                 <a:srgbClr val="20124d"/>
               </a:buClr>
-              <a:buFont typeface="Arial"/>
+              <a:buFont typeface="StarSymbol"/>
               <a:buAutoNum type="arabicPeriod"/>
             </a:pPr>
             <a:r>
@@ -14235,7 +15300,7 @@
               <a:buClr>
                 <a:srgbClr val="20124d"/>
               </a:buClr>
-              <a:buFont typeface="Arial"/>
+              <a:buFont typeface="StarSymbol"/>
               <a:buAutoNum type="arabicPeriod"/>
             </a:pPr>
             <a:r>
@@ -14263,7 +15328,7 @@
               <a:buClr>
                 <a:srgbClr val="20124d"/>
               </a:buClr>
-              <a:buFont typeface="Arial"/>
+              <a:buFont typeface="StarSymbol"/>
               <a:buAutoNum type="arabicPeriod"/>
             </a:pPr>
             <a:r>
@@ -14580,7 +15645,7 @@
                 <a:latin typeface="Arial"/>
                 <a:ea typeface="Arial"/>
               </a:rPr>
-              <a:t>(Also see: https://www.postgresql.org/docs/10/static/functions-string.html)</a:t>
+              <a:t>(Also see: https://www.postgresql.org/docs/12/static/functions-string.html)</a:t>
             </a:r>
             <a:endParaRPr b="0" lang="en-GB" sz="1800" spc="-1" strike="noStrike">
               <a:solidFill>
@@ -14763,7 +15828,67 @@
                 <a:latin typeface="Arial"/>
                 <a:ea typeface="Arial"/>
               </a:rPr>
-              <a:t>What is a Database?</a:t>
+              <a:t>Wh</a:t>
+            </a:r>
+            <a:r>
+              <a:rPr b="0" lang="en-GB" sz="3000" spc="-1" strike="noStrike">
+                <a:solidFill>
+                  <a:srgbClr val="000000"/>
+                </a:solidFill>
+                <a:latin typeface="Arial"/>
+                <a:ea typeface="Arial"/>
+              </a:rPr>
+              <a:t>at </a:t>
+            </a:r>
+            <a:r>
+              <a:rPr b="0" lang="en-GB" sz="3000" spc="-1" strike="noStrike">
+                <a:solidFill>
+                  <a:srgbClr val="000000"/>
+                </a:solidFill>
+                <a:latin typeface="Arial"/>
+                <a:ea typeface="Arial"/>
+              </a:rPr>
+              <a:t>is a </a:t>
+            </a:r>
+            <a:r>
+              <a:rPr b="0" lang="en-GB" sz="3000" spc="-1" strike="noStrike">
+                <a:solidFill>
+                  <a:srgbClr val="000000"/>
+                </a:solidFill>
+                <a:latin typeface="Arial"/>
+                <a:ea typeface="Arial"/>
+              </a:rPr>
+              <a:t>Dat</a:t>
+            </a:r>
+            <a:r>
+              <a:rPr b="0" lang="en-GB" sz="3000" spc="-1" strike="noStrike">
+                <a:solidFill>
+                  <a:srgbClr val="000000"/>
+                </a:solidFill>
+                <a:latin typeface="Arial"/>
+                <a:ea typeface="Arial"/>
+              </a:rPr>
+              <a:t>ab</a:t>
+            </a:r>
+            <a:r>
+              <a:rPr b="0" lang="en-GB" sz="3000" spc="-1" strike="noStrike">
+                <a:solidFill>
+                  <a:srgbClr val="000000"/>
+                </a:solidFill>
+                <a:latin typeface="Arial"/>
+                <a:ea typeface="Arial"/>
+              </a:rPr>
+              <a:t>as</a:t>
+            </a:r>
+            <a:r>
+              <a:rPr b="0" lang="en-GB" sz="3000" spc="-1" strike="noStrike">
+                <a:solidFill>
+                  <a:srgbClr val="000000"/>
+                </a:solidFill>
+                <a:latin typeface="Arial"/>
+                <a:ea typeface="Arial"/>
+              </a:rPr>
+              <a:t>e?</a:t>
             </a:r>
             <a:endParaRPr b="0" lang="en-GB" sz="3000" spc="-1" strike="noStrike">
               <a:solidFill>
@@ -15151,8 +16276,8 @@
         </p:nvSpPr>
         <p:spPr>
           <a:xfrm>
-            <a:off x="429120" y="1656360"/>
-            <a:ext cx="8337600" cy="1331640"/>
+            <a:off x="429120" y="1728000"/>
+            <a:ext cx="8337600" cy="1260000"/>
           </a:xfrm>
           <a:prstGeom prst="rect">
             <a:avLst/>
@@ -15171,7 +16296,7 @@
           <a:fontRef idx="minor"/>
         </p:style>
         <p:txBody>
-          <a:bodyPr tIns="18000" bIns="91440">
+          <a:bodyPr tIns="0" bIns="91440">
             <a:noAutofit/>
           </a:bodyPr>
           <a:p>
@@ -15952,7 +17077,7 @@
                 <a:latin typeface="Arial"/>
                 <a:ea typeface="Arial"/>
               </a:rPr>
-              <a:t>(e.g. https://www.postgresql.org/docs/10/static/functions-datetime.html)</a:t>
+              <a:t>(e.g. https://www.postgresql.org/docs/12/static/functions-datetime.html)</a:t>
             </a:r>
             <a:endParaRPr b="0" lang="en-GB" sz="2000" spc="-1" strike="noStrike">
               <a:solidFill>
@@ -16282,7 +17407,7 @@
               <a:buClr>
                 <a:srgbClr val="20124d"/>
               </a:buClr>
-              <a:buFont typeface="Arial"/>
+              <a:buFont typeface="StarSymbol"/>
               <a:buAutoNum type="arabicPeriod"/>
             </a:pPr>
             <a:r>
@@ -16310,7 +17435,7 @@
               <a:buClr>
                 <a:srgbClr val="20124d"/>
               </a:buClr>
-              <a:buFont typeface="Arial"/>
+              <a:buFont typeface="StarSymbol"/>
               <a:buAutoNum type="arabicPeriod"/>
             </a:pPr>
             <a:r>
@@ -16338,7 +17463,7 @@
               <a:buClr>
                 <a:srgbClr val="20124d"/>
               </a:buClr>
-              <a:buFont typeface="Arial"/>
+              <a:buFont typeface="StarSymbol"/>
               <a:buAutoNum type="arabicPeriod"/>
             </a:pPr>
             <a:r>
@@ -17751,7 +18876,7 @@
               <a:buClr>
                 <a:srgbClr val="20124d"/>
               </a:buClr>
-              <a:buFont typeface="Arial"/>
+              <a:buFont typeface="StarSymbol"/>
               <a:buAutoNum type="arabicPeriod"/>
             </a:pPr>
             <a:r>
@@ -17779,7 +18904,7 @@
               <a:buClr>
                 <a:srgbClr val="20124d"/>
               </a:buClr>
-              <a:buFont typeface="Arial"/>
+              <a:buFont typeface="StarSymbol"/>
               <a:buAutoNum type="arabicPeriod"/>
             </a:pPr>
             <a:r>
@@ -17807,7 +18932,7 @@
               <a:buClr>
                 <a:srgbClr val="20124d"/>
               </a:buClr>
-              <a:buFont typeface="Arial"/>
+              <a:buFont typeface="StarSymbol"/>
               <a:buAutoNum type="arabicPeriod"/>
             </a:pPr>
             <a:r>
@@ -17835,7 +18960,7 @@
               <a:buClr>
                 <a:srgbClr val="20124d"/>
               </a:buClr>
-              <a:buFont typeface="Arial"/>
+              <a:buFont typeface="StarSymbol"/>
               <a:buAutoNum type="arabicPeriod"/>
             </a:pPr>
             <a:r>
@@ -18108,7 +19233,7 @@
           </a:solidFill>
           <a:ln w="9360">
             <a:solidFill>
-              <a:schemeClr val="dk2"/>
+              <a:srgbClr val="595959"/>
             </a:solidFill>
             <a:round/>
           </a:ln>
@@ -18200,7 +19325,7 @@
           </a:solidFill>
           <a:ln w="9360">
             <a:solidFill>
-              <a:schemeClr val="dk2"/>
+              <a:srgbClr val="595959"/>
             </a:solidFill>
             <a:round/>
           </a:ln>
@@ -18770,7 +19895,7 @@
           <a:noFill/>
           <a:ln w="9360">
             <a:solidFill>
-              <a:schemeClr val="dk2"/>
+              <a:srgbClr val="595959"/>
             </a:solidFill>
             <a:round/>
           </a:ln>
@@ -18812,7 +19937,7 @@
           <a:noFill/>
           <a:ln w="9360">
             <a:solidFill>
-              <a:schemeClr val="dk2"/>
+              <a:srgbClr val="595959"/>
             </a:solidFill>
             <a:round/>
           </a:ln>
@@ -18854,7 +19979,7 @@
           <a:noFill/>
           <a:ln w="9360">
             <a:solidFill>
-              <a:schemeClr val="dk2"/>
+              <a:srgbClr val="595959"/>
             </a:solidFill>
             <a:round/>
           </a:ln>
@@ -18896,7 +20021,7 @@
           <a:noFill/>
           <a:ln w="9360">
             <a:solidFill>
-              <a:schemeClr val="dk2"/>
+              <a:srgbClr val="595959"/>
             </a:solidFill>
             <a:round/>
             <a:tailEnd len="med" type="triangle" w="med"/>
@@ -18939,7 +20064,7 @@
           <a:noFill/>
           <a:ln w="9360">
             <a:solidFill>
-              <a:schemeClr val="dk2"/>
+              <a:srgbClr val="595959"/>
             </a:solidFill>
             <a:round/>
             <a:tailEnd len="med" type="triangle" w="med"/>
@@ -18982,7 +20107,7 @@
           <a:noFill/>
           <a:ln w="9360">
             <a:solidFill>
-              <a:schemeClr val="dk2"/>
+              <a:srgbClr val="595959"/>
             </a:solidFill>
             <a:round/>
             <a:tailEnd len="med" type="triangle" w="med"/>
@@ -19025,7 +20150,7 @@
           <a:noFill/>
           <a:ln w="9360">
             <a:solidFill>
-              <a:schemeClr val="dk2"/>
+              <a:srgbClr val="595959"/>
             </a:solidFill>
             <a:round/>
             <a:tailEnd len="med" type="triangle" w="med"/>
@@ -19068,7 +20193,7 @@
           <a:noFill/>
           <a:ln w="9360">
             <a:solidFill>
-              <a:schemeClr val="dk2"/>
+              <a:srgbClr val="595959"/>
             </a:solidFill>
             <a:round/>
             <a:tailEnd len="med" type="triangle" w="med"/>
@@ -19111,7 +20236,7 @@
           <a:noFill/>
           <a:ln w="9360">
             <a:solidFill>
-              <a:schemeClr val="dk2"/>
+              <a:srgbClr val="595959"/>
             </a:solidFill>
             <a:round/>
             <a:tailEnd len="med" type="triangle" w="med"/>
@@ -19761,7 +20886,7 @@
           <a:noFill/>
           <a:ln w="9360">
             <a:solidFill>
-              <a:schemeClr val="dk2"/>
+              <a:srgbClr val="595959"/>
             </a:solidFill>
             <a:round/>
             <a:tailEnd len="med" type="triangle" w="med"/>
@@ -19782,7 +20907,7 @@
         </p:nvSpPr>
         <p:spPr>
           <a:xfrm flipH="1" rot="10800000">
-            <a:off x="2045160" y="2934720"/>
+            <a:off x="2044440" y="2934720"/>
             <a:ext cx="582120" cy="10080"/>
           </a:xfrm>
           <a:custGeom>
@@ -20049,9 +21174,9 @@
         </p:nvGrpSpPr>
         <p:grpSpPr>
           <a:xfrm>
-            <a:off x="2391120" y="2934360"/>
+            <a:off x="2390400" y="2934360"/>
             <a:ext cx="389160" cy="1046520"/>
-            <a:chOff x="2391120" y="2934360"/>
+            <a:chOff x="2390400" y="2934360"/>
             <a:chExt cx="389160" cy="1046520"/>
           </a:xfrm>
         </p:grpSpPr>
@@ -20095,7 +21220,7 @@
           </p:nvSpPr>
           <p:spPr>
             <a:xfrm flipH="1">
-              <a:off x="2399400" y="3129120"/>
+              <a:off x="2398680" y="3129120"/>
               <a:ext cx="360" cy="705960"/>
             </a:xfrm>
             <a:custGeom>
@@ -20137,7 +21262,7 @@
           </p:nvSpPr>
           <p:spPr>
             <a:xfrm flipH="1" rot="16200000">
-              <a:off x="2399760" y="3600720"/>
+              <a:off x="2399040" y="3600720"/>
               <a:ext cx="370800" cy="389160"/>
             </a:xfrm>
             <a:prstGeom prst="arc">
@@ -20234,7 +21359,7 @@
           <a:noFill/>
           <a:ln w="9360">
             <a:solidFill>
-              <a:schemeClr val="dk2"/>
+              <a:srgbClr val="595959"/>
             </a:solidFill>
             <a:round/>
             <a:tailEnd len="med" type="triangle" w="med"/>
@@ -20365,7 +21490,7 @@
           <a:noFill/>
           <a:ln w="9360">
             <a:solidFill>
-              <a:schemeClr val="dk2"/>
+              <a:srgbClr val="595959"/>
             </a:solidFill>
             <a:round/>
             <a:tailEnd len="med" type="triangle" w="med"/>
@@ -20640,7 +21765,7 @@
         </p:nvSpPr>
         <p:spPr>
           <a:xfrm flipH="1" rot="10800000">
-            <a:off x="4789800" y="2189880"/>
+            <a:off x="4789080" y="2189880"/>
             <a:ext cx="2933640" cy="6840"/>
           </a:xfrm>
           <a:custGeom>
@@ -21016,7 +22141,7 @@
                                   <p:childTnLst>
                                     <p:set>
                                       <p:cBhvr>
-                                        <p:cTn id="6" dur="1" fill="hold">
+                                        <p:cTn id="6" dur="0" fill="hold">
                                           <p:stCondLst>
                                             <p:cond delay="0"/>
                                           </p:stCondLst>
@@ -21038,7 +22163,7 @@
                                     </p:set>
                                     <p:anim calcmode="lin" valueType="num">
                                       <p:cBhvr additive="repl">
-                                        <p:cTn id="7" dur="2500"/>
+                                        <p:cTn id="7" dur="1000"/>
                                         <p:tgtEl>
                                           <p:spTgt spid="130">
                                             <p:txEl>
@@ -21092,7 +22217,7 @@
                                   <p:childTnLst>
                                     <p:set>
                                       <p:cBhvr>
-                                        <p:cTn id="11" dur="1" fill="hold">
+                                        <p:cTn id="11" dur="0" fill="hold">
                                           <p:stCondLst>
                                             <p:cond delay="0"/>
                                           </p:stCondLst>
@@ -21114,7 +22239,7 @@
                                     </p:set>
                                     <p:anim calcmode="lin" valueType="num">
                                       <p:cBhvr additive="repl">
-                                        <p:cTn id="12" dur="2500"/>
+                                        <p:cTn id="12" dur="1000"/>
                                         <p:tgtEl>
                                           <p:spTgt spid="130">
                                             <p:txEl>
@@ -21168,7 +22293,7 @@
                                   <p:childTnLst>
                                     <p:set>
                                       <p:cBhvr>
-                                        <p:cTn id="16" dur="1" fill="hold">
+                                        <p:cTn id="16" dur="0" fill="hold">
                                           <p:stCondLst>
                                             <p:cond delay="0"/>
                                           </p:stCondLst>
@@ -21190,7 +22315,7 @@
                                     </p:set>
                                     <p:anim calcmode="lin" valueType="num">
                                       <p:cBhvr additive="repl">
-                                        <p:cTn id="17" dur="2500"/>
+                                        <p:cTn id="17" dur="1000"/>
                                         <p:tgtEl>
                                           <p:spTgt spid="130">
                                             <p:txEl>
@@ -21244,7 +22369,7 @@
                                   <p:childTnLst>
                                     <p:set>
                                       <p:cBhvr>
-                                        <p:cTn id="21" dur="1" fill="hold">
+                                        <p:cTn id="21" dur="0" fill="hold">
                                           <p:stCondLst>
                                             <p:cond delay="0"/>
                                           </p:stCondLst>
@@ -21266,7 +22391,7 @@
                                     </p:set>
                                     <p:anim calcmode="lin" valueType="num">
                                       <p:cBhvr additive="repl">
-                                        <p:cTn id="22" dur="2500"/>
+                                        <p:cTn id="22" dur="1000"/>
                                         <p:tgtEl>
                                           <p:spTgt spid="130">
                                             <p:txEl>
@@ -21320,7 +22445,7 @@
                                   <p:childTnLst>
                                     <p:set>
                                       <p:cBhvr>
-                                        <p:cTn id="26" dur="1" fill="hold">
+                                        <p:cTn id="26" dur="0" fill="hold">
                                           <p:stCondLst>
                                             <p:cond delay="0"/>
                                           </p:stCondLst>
@@ -21342,7 +22467,7 @@
                                     </p:set>
                                     <p:anim calcmode="lin" valueType="num">
                                       <p:cBhvr additive="repl">
-                                        <p:cTn id="27" dur="2500"/>
+                                        <p:cTn id="27" dur="1000"/>
                                         <p:tgtEl>
                                           <p:spTgt spid="130">
                                             <p:txEl>
@@ -21396,7 +22521,7 @@
                                   <p:childTnLst>
                                     <p:set>
                                       <p:cBhvr>
-                                        <p:cTn id="31" dur="1" fill="hold">
+                                        <p:cTn id="31" dur="0" fill="hold">
                                           <p:stCondLst>
                                             <p:cond delay="0"/>
                                           </p:stCondLst>
@@ -21418,7 +22543,7 @@
                                     </p:set>
                                     <p:anim calcmode="lin" valueType="num">
                                       <p:cBhvr additive="repl">
-                                        <p:cTn id="32" dur="2500"/>
+                                        <p:cTn id="32" dur="1000"/>
                                         <p:tgtEl>
                                           <p:spTgt spid="130">
                                             <p:txEl>
@@ -21765,7 +22890,7 @@
           </a:solidFill>
           <a:ln w="9360">
             <a:solidFill>
-              <a:schemeClr val="dk2"/>
+              <a:srgbClr val="595959"/>
             </a:solidFill>
             <a:round/>
           </a:ln>
@@ -22011,7 +23136,7 @@
               <a:buClr>
                 <a:srgbClr val="20124d"/>
               </a:buClr>
-              <a:buFont typeface="Arial"/>
+              <a:buFont typeface="StarSymbol"/>
               <a:buAutoNum type="arabicPeriod"/>
             </a:pPr>
             <a:r>
@@ -22039,7 +23164,7 @@
               <a:buClr>
                 <a:srgbClr val="20124d"/>
               </a:buClr>
-              <a:buFont typeface="Arial"/>
+              <a:buFont typeface="StarSymbol"/>
               <a:buAutoNum type="arabicPeriod"/>
             </a:pPr>
             <a:r>
@@ -22067,7 +23192,7 @@
               <a:buClr>
                 <a:srgbClr val="20124d"/>
               </a:buClr>
-              <a:buFont typeface="Arial"/>
+              <a:buFont typeface="StarSymbol"/>
               <a:buAutoNum type="arabicPeriod"/>
             </a:pPr>
             <a:r>
@@ -22095,7 +23220,7 @@
               <a:buClr>
                 <a:srgbClr val="20124d"/>
               </a:buClr>
-              <a:buFont typeface="Arial"/>
+              <a:buFont typeface="StarSymbol"/>
               <a:buAutoNum type="arabicPeriod"/>
             </a:pPr>
             <a:r>
@@ -22578,7 +23703,7 @@
               <a:buClr>
                 <a:srgbClr val="20124d"/>
               </a:buClr>
-              <a:buFont typeface="Arial"/>
+              <a:buFont typeface="StarSymbol"/>
               <a:buAutoNum type="arabicPeriod"/>
             </a:pPr>
             <a:r>
@@ -22606,7 +23731,7 @@
               <a:buClr>
                 <a:srgbClr val="20124d"/>
               </a:buClr>
-              <a:buFont typeface="Arial"/>
+              <a:buFont typeface="StarSymbol"/>
               <a:buAutoNum type="arabicPeriod"/>
             </a:pPr>
             <a:r>
@@ -22634,7 +23759,7 @@
               <a:buClr>
                 <a:srgbClr val="20124d"/>
               </a:buClr>
-              <a:buFont typeface="Arial"/>
+              <a:buFont typeface="StarSymbol"/>
               <a:buAutoNum type="arabicPeriod"/>
             </a:pPr>
             <a:r>
@@ -22662,7 +23787,7 @@
               <a:buClr>
                 <a:srgbClr val="20124d"/>
               </a:buClr>
-              <a:buFont typeface="Arial"/>
+              <a:buFont typeface="StarSymbol"/>
               <a:buAutoNum type="arabicPeriod"/>
             </a:pPr>
             <a:r>
@@ -22690,7 +23815,7 @@
               <a:buClr>
                 <a:srgbClr val="20124d"/>
               </a:buClr>
-              <a:buFont typeface="Arial"/>
+              <a:buFont typeface="StarSymbol"/>
               <a:buAutoNum type="arabicPeriod"/>
             </a:pPr>
             <a:r>
@@ -22893,7 +24018,87 @@
                 <a:latin typeface="Arial"/>
                 <a:ea typeface="Arial"/>
               </a:rPr>
-              <a:t>What Kind of Database?</a:t>
+              <a:t>Wh</a:t>
+            </a:r>
+            <a:r>
+              <a:rPr b="0" lang="en-GB" sz="3000" spc="-1" strike="noStrike">
+                <a:solidFill>
+                  <a:srgbClr val="000000"/>
+                </a:solidFill>
+                <a:latin typeface="Arial"/>
+                <a:ea typeface="Arial"/>
+              </a:rPr>
+              <a:t>at </a:t>
+            </a:r>
+            <a:r>
+              <a:rPr b="0" lang="en-GB" sz="3000" spc="-1" strike="noStrike">
+                <a:solidFill>
+                  <a:srgbClr val="000000"/>
+                </a:solidFill>
+                <a:latin typeface="Arial"/>
+                <a:ea typeface="Arial"/>
+              </a:rPr>
+              <a:t>Kin</a:t>
+            </a:r>
+            <a:r>
+              <a:rPr b="0" lang="en-GB" sz="3000" spc="-1" strike="noStrike">
+                <a:solidFill>
+                  <a:srgbClr val="000000"/>
+                </a:solidFill>
+                <a:latin typeface="Arial"/>
+                <a:ea typeface="Arial"/>
+              </a:rPr>
+              <a:t>d </a:t>
+            </a:r>
+            <a:r>
+              <a:rPr b="0" lang="en-GB" sz="3000" spc="-1" strike="noStrike">
+                <a:solidFill>
+                  <a:srgbClr val="000000"/>
+                </a:solidFill>
+                <a:latin typeface="Arial"/>
+                <a:ea typeface="Arial"/>
+              </a:rPr>
+              <a:t>of </a:t>
+            </a:r>
+            <a:r>
+              <a:rPr b="0" lang="en-GB" sz="3000" spc="-1" strike="noStrike">
+                <a:solidFill>
+                  <a:srgbClr val="000000"/>
+                </a:solidFill>
+                <a:latin typeface="Arial"/>
+                <a:ea typeface="Arial"/>
+              </a:rPr>
+              <a:t>Dat</a:t>
+            </a:r>
+            <a:r>
+              <a:rPr b="0" lang="en-GB" sz="3000" spc="-1" strike="noStrike">
+                <a:solidFill>
+                  <a:srgbClr val="000000"/>
+                </a:solidFill>
+                <a:latin typeface="Arial"/>
+                <a:ea typeface="Arial"/>
+              </a:rPr>
+              <a:t>ab</a:t>
+            </a:r>
+            <a:r>
+              <a:rPr b="0" lang="en-GB" sz="3000" spc="-1" strike="noStrike">
+                <a:solidFill>
+                  <a:srgbClr val="000000"/>
+                </a:solidFill>
+                <a:latin typeface="Arial"/>
+                <a:ea typeface="Arial"/>
+              </a:rPr>
+              <a:t>as</a:t>
+            </a:r>
+            <a:r>
+              <a:rPr b="0" lang="en-GB" sz="3000" spc="-1" strike="noStrike">
+                <a:solidFill>
+                  <a:srgbClr val="000000"/>
+                </a:solidFill>
+                <a:latin typeface="Arial"/>
+                <a:ea typeface="Arial"/>
+              </a:rPr>
+              <a:t>e?</a:t>
             </a:r>
             <a:endParaRPr b="0" lang="en-GB" sz="3000" spc="-1" strike="noStrike">
               <a:solidFill>
@@ -23114,171 +24319,207 @@
           </a:ln>
         </p:spPr>
         <p:txBody>
-          <a:bodyPr tIns="91440" bIns="91440">
-            <a:noAutofit/>
+          <a:bodyPr lIns="0" rIns="0" tIns="0" bIns="0">
+            <a:normAutofit fontScale="49000"/>
           </a:bodyPr>
           <a:p>
-            <a:pPr marL="457200" indent="-387000">
-              <a:lnSpc>
-                <a:spcPct val="115000"/>
-              </a:lnSpc>
+            <a:pPr marL="432000" indent="-324000">
+              <a:spcBef>
+                <a:spcPts val="1417"/>
+              </a:spcBef>
               <a:buClr>
-                <a:srgbClr val="20124d"/>
+                <a:srgbClr val="000000"/>
               </a:buClr>
-              <a:buFont typeface="Arial"/>
-              <a:buChar char="●"/>
-            </a:pPr>
-            <a:r>
-              <a:rPr b="0" lang="en-GB" sz="2500" spc="-1" strike="noStrike">
-                <a:solidFill>
-                  <a:srgbClr val="20124d"/>
-                </a:solidFill>
-                <a:latin typeface="Arial"/>
-                <a:ea typeface="Arial"/>
-              </a:rPr>
-              <a:t>SQL (Structured Query Language) is used to access relational databases</a:t>
-            </a:r>
-            <a:endParaRPr b="0" lang="en-GB" sz="2500" spc="-1" strike="noStrike">
-              <a:solidFill>
-                <a:srgbClr val="000000"/>
-              </a:solidFill>
-              <a:latin typeface="Arial"/>
-            </a:endParaRPr>
-          </a:p>
-          <a:p>
-            <a:pPr lvl="1" marL="914400" indent="-361440">
-              <a:lnSpc>
-                <a:spcPct val="115000"/>
-              </a:lnSpc>
+              <a:buSzPct val="45000"/>
+              <a:buFont typeface="Wingdings" charset="2"/>
+              <a:buChar char=""/>
+            </a:pPr>
+            <a:r>
+              <a:rPr b="0" lang="en-GB" sz="3200" spc="-1" strike="noStrike">
+                <a:solidFill>
+                  <a:srgbClr val="000000"/>
+                </a:solidFill>
+                <a:latin typeface="Arial"/>
+              </a:rPr>
+              <a:t>SQL (Structured Query Language) is used to </a:t>
+            </a:r>
+            <a:r>
+              <a:rPr b="0" lang="en-GB" sz="3200" spc="-1" strike="noStrike">
+                <a:solidFill>
+                  <a:srgbClr val="000000"/>
+                </a:solidFill>
+                <a:latin typeface="Arial"/>
+              </a:rPr>
+              <a:t>access relational databases</a:t>
+            </a:r>
+            <a:endParaRPr b="0" lang="en-GB" sz="3200" spc="-1" strike="noStrike">
+              <a:solidFill>
+                <a:srgbClr val="000000"/>
+              </a:solidFill>
+              <a:latin typeface="Arial"/>
+            </a:endParaRPr>
+          </a:p>
+          <a:p>
+            <a:pPr lvl="1" marL="864000" indent="-324000">
+              <a:spcBef>
+                <a:spcPts val="1134"/>
+              </a:spcBef>
               <a:buClr>
-                <a:srgbClr val="20124d"/>
+                <a:srgbClr val="000000"/>
               </a:buClr>
-              <a:buFont typeface="Arial"/>
-              <a:buChar char="○"/>
-            </a:pPr>
-            <a:r>
-              <a:rPr b="0" lang="en-GB" sz="2100" spc="-1" strike="noStrike">
-                <a:solidFill>
-                  <a:srgbClr val="20124d"/>
-                </a:solidFill>
-                <a:latin typeface="Arial"/>
-                <a:ea typeface="Arial"/>
-              </a:rPr>
-              <a:t>Pronounced S-Q-L or Sequel (many people use both)</a:t>
-            </a:r>
-            <a:endParaRPr b="0" lang="en-GB" sz="2100" spc="-1" strike="noStrike">
-              <a:solidFill>
-                <a:srgbClr val="000000"/>
-              </a:solidFill>
-              <a:latin typeface="Arial"/>
-            </a:endParaRPr>
-          </a:p>
-          <a:p>
-            <a:pPr marL="457200" indent="-387000">
-              <a:lnSpc>
-                <a:spcPct val="115000"/>
-              </a:lnSpc>
+              <a:buSzPct val="75000"/>
+              <a:buFont typeface="Wingdings 2" charset="2"/>
+              <a:buChar char=""/>
+            </a:pPr>
+            <a:r>
+              <a:rPr b="0" lang="en-GB" sz="3200" spc="-1" strike="noStrike">
+                <a:solidFill>
+                  <a:srgbClr val="000000"/>
+                </a:solidFill>
+                <a:latin typeface="Arial"/>
+              </a:rPr>
+              <a:t>Pronounced S-Q-L or Sequel (many </a:t>
+            </a:r>
+            <a:r>
+              <a:rPr b="0" lang="en-GB" sz="3200" spc="-1" strike="noStrike">
+                <a:solidFill>
+                  <a:srgbClr val="000000"/>
+                </a:solidFill>
+                <a:latin typeface="Arial"/>
+              </a:rPr>
+              <a:t>people use both)</a:t>
+            </a:r>
+            <a:endParaRPr b="0" lang="en-GB" sz="3200" spc="-1" strike="noStrike">
+              <a:solidFill>
+                <a:srgbClr val="000000"/>
+              </a:solidFill>
+              <a:latin typeface="Arial"/>
+            </a:endParaRPr>
+          </a:p>
+          <a:p>
+            <a:pPr marL="432000" indent="-324000">
+              <a:spcBef>
+                <a:spcPts val="1417"/>
+              </a:spcBef>
               <a:buClr>
-                <a:srgbClr val="20124d"/>
+                <a:srgbClr val="000000"/>
               </a:buClr>
-              <a:buFont typeface="Arial"/>
-              <a:buChar char="●"/>
-            </a:pPr>
-            <a:r>
-              <a:rPr b="0" lang="en-GB" sz="2500" spc="-1" strike="noStrike">
-                <a:solidFill>
-                  <a:srgbClr val="20124d"/>
-                </a:solidFill>
-                <a:latin typeface="Arial"/>
-                <a:ea typeface="Arial"/>
+              <a:buSzPct val="45000"/>
+              <a:buFont typeface="Wingdings" charset="2"/>
+              <a:buChar char=""/>
+            </a:pPr>
+            <a:r>
+              <a:rPr b="0" lang="en-GB" sz="3200" spc="-1" strike="noStrike">
+                <a:solidFill>
+                  <a:srgbClr val="000000"/>
+                </a:solidFill>
+                <a:latin typeface="Arial"/>
               </a:rPr>
               <a:t>Provides for query, update, insert and delete</a:t>
             </a:r>
-            <a:endParaRPr b="0" lang="en-GB" sz="2500" spc="-1" strike="noStrike">
-              <a:solidFill>
-                <a:srgbClr val="000000"/>
-              </a:solidFill>
-              <a:latin typeface="Arial"/>
-            </a:endParaRPr>
-          </a:p>
-          <a:p>
-            <a:pPr marL="457200" indent="-387000">
-              <a:lnSpc>
-                <a:spcPct val="115000"/>
-              </a:lnSpc>
+            <a:endParaRPr b="0" lang="en-GB" sz="3200" spc="-1" strike="noStrike">
+              <a:solidFill>
+                <a:srgbClr val="000000"/>
+              </a:solidFill>
+              <a:latin typeface="Arial"/>
+            </a:endParaRPr>
+          </a:p>
+          <a:p>
+            <a:pPr marL="432000" indent="-324000">
+              <a:spcBef>
+                <a:spcPts val="1417"/>
+              </a:spcBef>
               <a:buClr>
-                <a:srgbClr val="20124d"/>
+                <a:srgbClr val="000000"/>
               </a:buClr>
-              <a:buFont typeface="Arial"/>
-              <a:buChar char="●"/>
-            </a:pPr>
-            <a:r>
-              <a:rPr b="0" lang="en-GB" sz="2500" spc="-1" strike="noStrike">
-                <a:solidFill>
-                  <a:srgbClr val="20124d"/>
-                </a:solidFill>
-                <a:latin typeface="Arial"/>
-                <a:ea typeface="Arial"/>
+              <a:buSzPct val="45000"/>
+              <a:buFont typeface="Wingdings" charset="2"/>
+              <a:buChar char=""/>
+            </a:pPr>
+            <a:r>
+              <a:rPr b="0" lang="en-GB" sz="3200" spc="-1" strike="noStrike">
+                <a:solidFill>
+                  <a:srgbClr val="000000"/>
+                </a:solidFill>
+                <a:latin typeface="Arial"/>
               </a:rPr>
               <a:t>Can create and alter the data structure</a:t>
             </a:r>
-            <a:endParaRPr b="0" lang="en-GB" sz="2500" spc="-1" strike="noStrike">
-              <a:solidFill>
-                <a:srgbClr val="000000"/>
-              </a:solidFill>
-              <a:latin typeface="Arial"/>
-            </a:endParaRPr>
-          </a:p>
-          <a:p>
-            <a:pPr marL="457200" indent="-387000">
-              <a:lnSpc>
-                <a:spcPct val="115000"/>
-              </a:lnSpc>
+            <a:endParaRPr b="0" lang="en-GB" sz="3200" spc="-1" strike="noStrike">
+              <a:solidFill>
+                <a:srgbClr val="000000"/>
+              </a:solidFill>
+              <a:latin typeface="Arial"/>
+            </a:endParaRPr>
+          </a:p>
+          <a:p>
+            <a:pPr marL="432000" indent="-324000">
+              <a:spcBef>
+                <a:spcPts val="1417"/>
+              </a:spcBef>
               <a:buClr>
-                <a:srgbClr val="20124d"/>
+                <a:srgbClr val="000000"/>
               </a:buClr>
-              <a:buFont typeface="Arial"/>
-              <a:buChar char="●"/>
-            </a:pPr>
-            <a:r>
-              <a:rPr b="0" lang="en-GB" sz="2500" spc="-1" strike="noStrike">
-                <a:solidFill>
-                  <a:srgbClr val="20124d"/>
-                </a:solidFill>
-                <a:latin typeface="Arial"/>
-                <a:ea typeface="Arial"/>
-              </a:rPr>
-              <a:t>SQL is non-procedural (no loops, no if-then-else…)</a:t>
-            </a:r>
-            <a:endParaRPr b="0" lang="en-GB" sz="2500" spc="-1" strike="noStrike">
-              <a:solidFill>
-                <a:srgbClr val="000000"/>
-              </a:solidFill>
-              <a:latin typeface="Arial"/>
-            </a:endParaRPr>
-          </a:p>
-          <a:p>
-            <a:pPr marL="457200" indent="-387000">
-              <a:lnSpc>
-                <a:spcPct val="115000"/>
-              </a:lnSpc>
+              <a:buSzPct val="45000"/>
+              <a:buFont typeface="Wingdings" charset="2"/>
+              <a:buChar char=""/>
+            </a:pPr>
+            <a:r>
+              <a:rPr b="0" lang="en-GB" sz="3200" spc="-1" strike="noStrike">
+                <a:solidFill>
+                  <a:srgbClr val="000000"/>
+                </a:solidFill>
+                <a:latin typeface="Arial"/>
+              </a:rPr>
+              <a:t>SQL is non-procedural (no loops, no if-then-</a:t>
+            </a:r>
+            <a:r>
+              <a:rPr b="0" lang="en-GB" sz="3200" spc="-1" strike="noStrike">
+                <a:solidFill>
+                  <a:srgbClr val="000000"/>
+                </a:solidFill>
+                <a:latin typeface="Arial"/>
+              </a:rPr>
+              <a:t>else…)</a:t>
+            </a:r>
+            <a:endParaRPr b="0" lang="en-GB" sz="3200" spc="-1" strike="noStrike">
+              <a:solidFill>
+                <a:srgbClr val="000000"/>
+              </a:solidFill>
+              <a:latin typeface="Arial"/>
+            </a:endParaRPr>
+          </a:p>
+          <a:p>
+            <a:pPr marL="432000" indent="-324000">
+              <a:spcBef>
+                <a:spcPts val="1417"/>
+              </a:spcBef>
               <a:buClr>
-                <a:srgbClr val="20124d"/>
+                <a:srgbClr val="000000"/>
               </a:buClr>
-              <a:buFont typeface="Arial"/>
-              <a:buChar char="●"/>
-            </a:pPr>
-            <a:r>
-              <a:rPr b="0" lang="en-GB" sz="2500" spc="-1" strike="noStrike">
-                <a:solidFill>
-                  <a:srgbClr val="20124d"/>
-                </a:solidFill>
-                <a:latin typeface="Arial"/>
-                <a:ea typeface="Arial"/>
-              </a:rPr>
-              <a:t>You specify what you want and the RDBMS works out how to achieve it</a:t>
-            </a:r>
-            <a:endParaRPr b="0" lang="en-GB" sz="2500" spc="-1" strike="noStrike">
+              <a:buSzPct val="45000"/>
+              <a:buFont typeface="Wingdings" charset="2"/>
+              <a:buChar char=""/>
+            </a:pPr>
+            <a:r>
+              <a:rPr b="0" lang="en-GB" sz="3200" spc="-1" strike="noStrike">
+                <a:solidFill>
+                  <a:srgbClr val="000000"/>
+                </a:solidFill>
+                <a:latin typeface="Arial"/>
+              </a:rPr>
+              <a:t>You specify what you want and the RDBMS </a:t>
+            </a:r>
+            <a:r>
+              <a:rPr b="0" lang="en-GB" sz="3200" spc="-1" strike="noStrike">
+                <a:solidFill>
+                  <a:srgbClr val="000000"/>
+                </a:solidFill>
+                <a:latin typeface="Arial"/>
+              </a:rPr>
+              <a:t>works out how to achieve it</a:t>
+            </a:r>
+            <a:endParaRPr b="0" lang="en-GB" sz="3200" spc="-1" strike="noStrike">
               <a:solidFill>
                 <a:srgbClr val="000000"/>
               </a:solidFill>
@@ -23357,7 +24598,57 @@
                 <a:latin typeface="Arial"/>
                 <a:ea typeface="Arial"/>
               </a:rPr>
-              <a:t>What’s an RDBMS?</a:t>
+              <a:t>Wh</a:t>
+            </a:r>
+            <a:r>
+              <a:rPr b="0" lang="en-GB" sz="3000" spc="-1" strike="noStrike">
+                <a:solidFill>
+                  <a:srgbClr val="000000"/>
+                </a:solidFill>
+                <a:latin typeface="Arial"/>
+                <a:ea typeface="Arial"/>
+              </a:rPr>
+              <a:t>at’s </a:t>
+            </a:r>
+            <a:r>
+              <a:rPr b="0" lang="en-GB" sz="3000" spc="-1" strike="noStrike">
+                <a:solidFill>
+                  <a:srgbClr val="000000"/>
+                </a:solidFill>
+                <a:latin typeface="Arial"/>
+                <a:ea typeface="Arial"/>
+              </a:rPr>
+              <a:t>an </a:t>
+            </a:r>
+            <a:r>
+              <a:rPr b="0" lang="en-GB" sz="3000" spc="-1" strike="noStrike">
+                <a:solidFill>
+                  <a:srgbClr val="000000"/>
+                </a:solidFill>
+                <a:latin typeface="Arial"/>
+                <a:ea typeface="Arial"/>
+              </a:rPr>
+              <a:t>RD</a:t>
+            </a:r>
+            <a:r>
+              <a:rPr b="0" lang="en-GB" sz="3000" spc="-1" strike="noStrike">
+                <a:solidFill>
+                  <a:srgbClr val="000000"/>
+                </a:solidFill>
+                <a:latin typeface="Arial"/>
+                <a:ea typeface="Arial"/>
+              </a:rPr>
+              <a:t>BM</a:t>
+            </a:r>
+            <a:r>
+              <a:rPr b="0" lang="en-GB" sz="3000" spc="-1" strike="noStrike">
+                <a:solidFill>
+                  <a:srgbClr val="000000"/>
+                </a:solidFill>
+                <a:latin typeface="Arial"/>
+                <a:ea typeface="Arial"/>
+              </a:rPr>
+              <a:t>S?</a:t>
             </a:r>
             <a:endParaRPr b="0" lang="en-GB" sz="3000" spc="-1" strike="noStrike">
               <a:solidFill>
@@ -23541,7 +24832,77 @@
                 <a:latin typeface="Arial"/>
                 <a:ea typeface="Arial"/>
               </a:rPr>
-              <a:t>Tables, Columns, Rows</a:t>
+              <a:t>Ta</a:t>
+            </a:r>
+            <a:r>
+              <a:rPr b="0" lang="en-GB" sz="3000" spc="-1" strike="noStrike">
+                <a:solidFill>
+                  <a:srgbClr val="000000"/>
+                </a:solidFill>
+                <a:latin typeface="Arial"/>
+                <a:ea typeface="Arial"/>
+              </a:rPr>
+              <a:t>ble</a:t>
+            </a:r>
+            <a:r>
+              <a:rPr b="0" lang="en-GB" sz="3000" spc="-1" strike="noStrike">
+                <a:solidFill>
+                  <a:srgbClr val="000000"/>
+                </a:solidFill>
+                <a:latin typeface="Arial"/>
+                <a:ea typeface="Arial"/>
+              </a:rPr>
+              <a:t>s, </a:t>
+            </a:r>
+            <a:r>
+              <a:rPr b="0" lang="en-GB" sz="3000" spc="-1" strike="noStrike">
+                <a:solidFill>
+                  <a:srgbClr val="000000"/>
+                </a:solidFill>
+                <a:latin typeface="Arial"/>
+                <a:ea typeface="Arial"/>
+              </a:rPr>
+              <a:t>Col</a:t>
+            </a:r>
+            <a:r>
+              <a:rPr b="0" lang="en-GB" sz="3000" spc="-1" strike="noStrike">
+                <a:solidFill>
+                  <a:srgbClr val="000000"/>
+                </a:solidFill>
+                <a:latin typeface="Arial"/>
+                <a:ea typeface="Arial"/>
+              </a:rPr>
+              <a:t>um</a:t>
+            </a:r>
+            <a:r>
+              <a:rPr b="0" lang="en-GB" sz="3000" spc="-1" strike="noStrike">
+                <a:solidFill>
+                  <a:srgbClr val="000000"/>
+                </a:solidFill>
+                <a:latin typeface="Arial"/>
+                <a:ea typeface="Arial"/>
+              </a:rPr>
+              <a:t>ns, </a:t>
+            </a:r>
+            <a:r>
+              <a:rPr b="0" lang="en-GB" sz="3000" spc="-1" strike="noStrike">
+                <a:solidFill>
+                  <a:srgbClr val="000000"/>
+                </a:solidFill>
+                <a:latin typeface="Arial"/>
+                <a:ea typeface="Arial"/>
+              </a:rPr>
+              <a:t>Ro</a:t>
+            </a:r>
+            <a:r>
+              <a:rPr b="0" lang="en-GB" sz="3000" spc="-1" strike="noStrike">
+                <a:solidFill>
+                  <a:srgbClr val="000000"/>
+                </a:solidFill>
+                <a:latin typeface="Arial"/>
+                <a:ea typeface="Arial"/>
+              </a:rPr>
+              <a:t>ws</a:t>
             </a:r>
             <a:endParaRPr b="0" lang="en-GB" sz="3000" spc="-1" strike="noStrike">
               <a:solidFill>
@@ -23560,7 +24921,7 @@
         </p:nvGraphicFramePr>
         <p:xfrm>
           <a:off x="311760" y="1448640"/>
-          <a:ext cx="3861360" cy="1242720"/>
+          <a:ext cx="3861000" cy="1585080"/>
         </p:xfrm>
         <a:graphic>
           <a:graphicData uri="http://schemas.openxmlformats.org/drawingml/2006/table">
@@ -24335,7 +25696,7 @@
         </p:nvGraphicFramePr>
         <p:xfrm>
           <a:off x="4479480" y="3026160"/>
-          <a:ext cx="4479120" cy="1523520"/>
+          <a:ext cx="4478760" cy="1585080"/>
         </p:xfrm>
         <a:graphic>
           <a:graphicData uri="http://schemas.openxmlformats.org/drawingml/2006/table">
@@ -25226,11 +26587,11 @@
             </a:avLst>
           </a:prstGeom>
           <a:solidFill>
-            <a:schemeClr val="lt2"/>
+            <a:srgbClr val="eeeeee"/>
           </a:solidFill>
           <a:ln w="9360">
             <a:solidFill>
-              <a:schemeClr val="dk2"/>
+              <a:srgbClr val="595959"/>
             </a:solidFill>
             <a:round/>
           </a:ln>
@@ -25289,11 +26650,11 @@
             </a:avLst>
           </a:prstGeom>
           <a:solidFill>
-            <a:schemeClr val="lt2"/>
+            <a:srgbClr val="eeeeee"/>
           </a:solidFill>
           <a:ln w="9360">
             <a:solidFill>
-              <a:schemeClr val="dk2"/>
+              <a:srgbClr val="595959"/>
             </a:solidFill>
             <a:round/>
           </a:ln>
@@ -25352,11 +26713,11 @@
             </a:avLst>
           </a:prstGeom>
           <a:solidFill>
-            <a:schemeClr val="lt2"/>
+            <a:srgbClr val="eeeeee"/>
           </a:solidFill>
           <a:ln w="9360">
             <a:solidFill>
-              <a:schemeClr val="dk2"/>
+              <a:srgbClr val="595959"/>
             </a:solidFill>
             <a:round/>
           </a:ln>
@@ -25415,11 +26776,11 @@
             </a:avLst>
           </a:prstGeom>
           <a:solidFill>
-            <a:schemeClr val="lt2"/>
+            <a:srgbClr val="eeeeee"/>
           </a:solidFill>
           <a:ln w="9360">
             <a:solidFill>
-              <a:schemeClr val="dk2"/>
+              <a:srgbClr val="595959"/>
             </a:solidFill>
             <a:round/>
           </a:ln>
@@ -25478,11 +26839,11 @@
             </a:avLst>
           </a:prstGeom>
           <a:solidFill>
-            <a:schemeClr val="lt2"/>
+            <a:srgbClr val="eeeeee"/>
           </a:solidFill>
           <a:ln w="9360">
             <a:solidFill>
-              <a:schemeClr val="dk2"/>
+              <a:srgbClr val="595959"/>
             </a:solidFill>
             <a:round/>
           </a:ln>
@@ -25541,11 +26902,11 @@
             </a:avLst>
           </a:prstGeom>
           <a:solidFill>
-            <a:schemeClr val="lt2"/>
+            <a:srgbClr val="eeeeee"/>
           </a:solidFill>
           <a:ln w="9360">
             <a:solidFill>
-              <a:schemeClr val="dk2"/>
+              <a:srgbClr val="595959"/>
             </a:solidFill>
             <a:round/>
           </a:ln>
@@ -25655,7 +27016,87 @@
                 <a:latin typeface="Arial"/>
                 <a:ea typeface="Arial"/>
               </a:rPr>
-              <a:t>Why Not Combine the Data?</a:t>
+              <a:t>Wh</a:t>
+            </a:r>
+            <a:r>
+              <a:rPr b="0" lang="en-GB" sz="3000" spc="-1" strike="noStrike">
+                <a:solidFill>
+                  <a:srgbClr val="000000"/>
+                </a:solidFill>
+                <a:latin typeface="Arial"/>
+                <a:ea typeface="Arial"/>
+              </a:rPr>
+              <a:t>y </a:t>
+            </a:r>
+            <a:r>
+              <a:rPr b="0" lang="en-GB" sz="3000" spc="-1" strike="noStrike">
+                <a:solidFill>
+                  <a:srgbClr val="000000"/>
+                </a:solidFill>
+                <a:latin typeface="Arial"/>
+                <a:ea typeface="Arial"/>
+              </a:rPr>
+              <a:t>Not </a:t>
+            </a:r>
+            <a:r>
+              <a:rPr b="0" lang="en-GB" sz="3000" spc="-1" strike="noStrike">
+                <a:solidFill>
+                  <a:srgbClr val="000000"/>
+                </a:solidFill>
+                <a:latin typeface="Arial"/>
+                <a:ea typeface="Arial"/>
+              </a:rPr>
+              <a:t>Co</a:t>
+            </a:r>
+            <a:r>
+              <a:rPr b="0" lang="en-GB" sz="3000" spc="-1" strike="noStrike">
+                <a:solidFill>
+                  <a:srgbClr val="000000"/>
+                </a:solidFill>
+                <a:latin typeface="Arial"/>
+                <a:ea typeface="Arial"/>
+              </a:rPr>
+              <a:t>mb</a:t>
+            </a:r>
+            <a:r>
+              <a:rPr b="0" lang="en-GB" sz="3000" spc="-1" strike="noStrike">
+                <a:solidFill>
+                  <a:srgbClr val="000000"/>
+                </a:solidFill>
+                <a:latin typeface="Arial"/>
+                <a:ea typeface="Arial"/>
+              </a:rPr>
+              <a:t>ine </a:t>
+            </a:r>
+            <a:r>
+              <a:rPr b="0" lang="en-GB" sz="3000" spc="-1" strike="noStrike">
+                <a:solidFill>
+                  <a:srgbClr val="000000"/>
+                </a:solidFill>
+                <a:latin typeface="Arial"/>
+                <a:ea typeface="Arial"/>
+              </a:rPr>
+              <a:t>the </a:t>
+            </a:r>
+            <a:r>
+              <a:rPr b="0" lang="en-GB" sz="3000" spc="-1" strike="noStrike">
+                <a:solidFill>
+                  <a:srgbClr val="000000"/>
+                </a:solidFill>
+                <a:latin typeface="Arial"/>
+                <a:ea typeface="Arial"/>
+              </a:rPr>
+              <a:t>Dat</a:t>
+            </a:r>
+            <a:r>
+              <a:rPr b="0" lang="en-GB" sz="3000" spc="-1" strike="noStrike">
+                <a:solidFill>
+                  <a:srgbClr val="000000"/>
+                </a:solidFill>
+                <a:latin typeface="Arial"/>
+                <a:ea typeface="Arial"/>
+              </a:rPr>
+              <a:t>a?</a:t>
             </a:r>
             <a:endParaRPr b="0" lang="en-GB" sz="3000" spc="-1" strike="noStrike">
               <a:solidFill>
@@ -25825,7 +27266,7 @@
         </p:nvGraphicFramePr>
         <p:xfrm>
           <a:off x="311760" y="1628280"/>
-          <a:ext cx="7238520" cy="1523520"/>
+          <a:ext cx="7238160" cy="1585080"/>
         </p:xfrm>
         <a:graphic>
           <a:graphicData uri="http://schemas.openxmlformats.org/drawingml/2006/table">
@@ -27604,34 +29045,34 @@
         <a:sysClr val="window" lastClr="FFFFFF"/>
       </a:lt1>
       <a:dk2>
-        <a:srgbClr val="595959"/>
+        <a:srgbClr val="1f497d"/>
       </a:dk2>
       <a:lt2>
-        <a:srgbClr val="eeeeee"/>
+        <a:srgbClr val="eeece1"/>
       </a:lt2>
       <a:accent1>
-        <a:srgbClr val="ffab40"/>
+        <a:srgbClr val="4f81bd"/>
       </a:accent1>
       <a:accent2>
-        <a:srgbClr val="212121"/>
+        <a:srgbClr val="c0504d"/>
       </a:accent2>
       <a:accent3>
-        <a:srgbClr val="78909c"/>
+        <a:srgbClr val="9bbb59"/>
       </a:accent3>
       <a:accent4>
-        <a:srgbClr val="ffab40"/>
+        <a:srgbClr val="8064a2"/>
       </a:accent4>
       <a:accent5>
-        <a:srgbClr val="0097a7"/>
+        <a:srgbClr val="4bacc6"/>
       </a:accent5>
       <a:accent6>
-        <a:srgbClr val="eeff41"/>
+        <a:srgbClr val="f79646"/>
       </a:accent6>
       <a:hlink>
-        <a:srgbClr val="0097a7"/>
+        <a:srgbClr val="0000ff"/>
       </a:hlink>
       <a:folHlink>
-        <a:srgbClr val="0097a7"/>
+        <a:srgbClr val="800080"/>
       </a:folHlink>
     </a:clrScheme>
     <a:fontScheme name="Office">
@@ -27830,34 +29271,34 @@
         <a:sysClr val="window" lastClr="FFFFFF"/>
       </a:lt1>
       <a:dk2>
-        <a:srgbClr val="595959"/>
+        <a:srgbClr val="1f497d"/>
       </a:dk2>
       <a:lt2>
-        <a:srgbClr val="eeeeee"/>
+        <a:srgbClr val="eeece1"/>
       </a:lt2>
       <a:accent1>
-        <a:srgbClr val="ffab40"/>
+        <a:srgbClr val="4f81bd"/>
       </a:accent1>
       <a:accent2>
-        <a:srgbClr val="212121"/>
+        <a:srgbClr val="c0504d"/>
       </a:accent2>
       <a:accent3>
-        <a:srgbClr val="78909c"/>
+        <a:srgbClr val="9bbb59"/>
       </a:accent3>
       <a:accent4>
-        <a:srgbClr val="ffab40"/>
+        <a:srgbClr val="8064a2"/>
       </a:accent4>
       <a:accent5>
-        <a:srgbClr val="0097a7"/>
+        <a:srgbClr val="4bacc6"/>
       </a:accent5>
       <a:accent6>
-        <a:srgbClr val="eeff41"/>
+        <a:srgbClr val="f79646"/>
       </a:accent6>
       <a:hlink>
-        <a:srgbClr val="0097a7"/>
+        <a:srgbClr val="0000ff"/>
       </a:hlink>
       <a:folHlink>
-        <a:srgbClr val="0097a7"/>
+        <a:srgbClr val="800080"/>
       </a:folHlink>
     </a:clrScheme>
     <a:fontScheme name="Office">
@@ -28056,34 +29497,34 @@
         <a:sysClr val="window" lastClr="FFFFFF"/>
       </a:lt1>
       <a:dk2>
-        <a:srgbClr val="595959"/>
+        <a:srgbClr val="1f497d"/>
       </a:dk2>
       <a:lt2>
-        <a:srgbClr val="eeeeee"/>
+        <a:srgbClr val="eeece1"/>
       </a:lt2>
       <a:accent1>
-        <a:srgbClr val="ffab40"/>
+        <a:srgbClr val="4f81bd"/>
       </a:accent1>
       <a:accent2>
-        <a:srgbClr val="212121"/>
+        <a:srgbClr val="c0504d"/>
       </a:accent2>
       <a:accent3>
-        <a:srgbClr val="78909c"/>
+        <a:srgbClr val="9bbb59"/>
       </a:accent3>
       <a:accent4>
-        <a:srgbClr val="ffab40"/>
+        <a:srgbClr val="8064a2"/>
       </a:accent4>
       <a:accent5>
-        <a:srgbClr val="0097a7"/>
+        <a:srgbClr val="4bacc6"/>
       </a:accent5>
       <a:accent6>
-        <a:srgbClr val="eeff41"/>
+        <a:srgbClr val="f79646"/>
       </a:accent6>
       <a:hlink>
-        <a:srgbClr val="0097a7"/>
+        <a:srgbClr val="0000ff"/>
       </a:hlink>
       <a:folHlink>
-        <a:srgbClr val="0097a7"/>
+        <a:srgbClr val="800080"/>
       </a:folHlink>
     </a:clrScheme>
     <a:fontScheme name="Office">
@@ -28282,34 +29723,34 @@
         <a:sysClr val="window" lastClr="FFFFFF"/>
       </a:lt1>
       <a:dk2>
-        <a:srgbClr val="595959"/>
+        <a:srgbClr val="1f497d"/>
       </a:dk2>
       <a:lt2>
-        <a:srgbClr val="eeeeee"/>
+        <a:srgbClr val="eeece1"/>
       </a:lt2>
       <a:accent1>
-        <a:srgbClr val="ffab40"/>
+        <a:srgbClr val="4f81bd"/>
       </a:accent1>
       <a:accent2>
-        <a:srgbClr val="212121"/>
+        <a:srgbClr val="c0504d"/>
       </a:accent2>
       <a:accent3>
-        <a:srgbClr val="78909c"/>
+        <a:srgbClr val="9bbb59"/>
       </a:accent3>
       <a:accent4>
-        <a:srgbClr val="ffab40"/>
+        <a:srgbClr val="8064a2"/>
       </a:accent4>
       <a:accent5>
-        <a:srgbClr val="0097a7"/>
+        <a:srgbClr val="4bacc6"/>
       </a:accent5>
       <a:accent6>
-        <a:srgbClr val="eeff41"/>
+        <a:srgbClr val="f79646"/>
       </a:accent6>
       <a:hlink>
-        <a:srgbClr val="0097a7"/>
+        <a:srgbClr val="0000ff"/>
       </a:hlink>
       <a:folHlink>
-        <a:srgbClr val="0097a7"/>
+        <a:srgbClr val="800080"/>
       </a:folHlink>
     </a:clrScheme>
     <a:fontScheme name="Office">
